--- a/Referat_BWP_KG_michael.pptx
+++ b/Referat_BWP_KG_michael.pptx
@@ -3,12 +3,11 @@
 <p:presentation xmlns:a="http://schemas.openxmlformats.org/drawingml/2006/main" xmlns:p="http://schemas.openxmlformats.org/presentationml/2006/main" xmlns:r="http://schemas.openxmlformats.org/officeDocument/2006/relationships" xmlns:p14="http://schemas.microsoft.com/office/powerpoint/2010/main" xmlns:p15="http://schemas.microsoft.com/office/powerpoint/2012/main" xmlns:mc="http://schemas.openxmlformats.org/markup-compatibility/2006">
   <p:sldMasterIdLst>
     <p:sldMasterId id="2147483648" r:id="rId2"/>
-    <p:sldMasterId id="2147483661" r:id="rId3"/>
   </p:sldMasterIdLst>
   <p:sldIdLst>
-    <p:sldId id="256" r:id="rId4"/>
-    <p:sldId id="257" r:id="rId5"/>
-    <p:sldId id="258" r:id="rId6"/>
+    <p:sldId id="256" r:id="rId3"/>
+    <p:sldId id="257" r:id="rId4"/>
+    <p:sldId id="258" r:id="rId5"/>
   </p:sldIdLst>
   <p:sldSz cx="9144000" cy="5143500"/>
   <p:notesSz cx="7559675" cy="10691812"/>
@@ -56,7 +55,7 @@
       </p:grpSpPr>
       <p:sp>
         <p:nvSpPr>
-          <p:cNvPr id="27" name="PlaceHolder 1"/>
+          <p:cNvPr id="25" name="PlaceHolder 1"/>
           <p:cNvSpPr>
             <a:spLocks noGrp="1"/>
           </p:cNvSpPr>
@@ -87,7 +86,7 @@
       </p:sp>
       <p:sp>
         <p:nvSpPr>
-          <p:cNvPr id="28" name="PlaceHolder 2"/>
+          <p:cNvPr id="26" name="PlaceHolder 2"/>
           <p:cNvSpPr>
             <a:spLocks noGrp="1"/>
           </p:cNvSpPr>
@@ -117,7 +116,7 @@
       </p:sp>
       <p:sp>
         <p:nvSpPr>
-          <p:cNvPr id="29" name="PlaceHolder 3"/>
+          <p:cNvPr id="27" name="PlaceHolder 3"/>
           <p:cNvSpPr>
             <a:spLocks noGrp="1"/>
           </p:cNvSpPr>
@@ -169,7 +168,7 @@
       </p:grpSpPr>
       <p:sp>
         <p:nvSpPr>
-          <p:cNvPr id="30" name="PlaceHolder 1"/>
+          <p:cNvPr id="28" name="PlaceHolder 1"/>
           <p:cNvSpPr>
             <a:spLocks noGrp="1"/>
           </p:cNvSpPr>
@@ -200,7 +199,7 @@
       </p:sp>
       <p:sp>
         <p:nvSpPr>
-          <p:cNvPr id="31" name="PlaceHolder 2"/>
+          <p:cNvPr id="29" name="PlaceHolder 2"/>
           <p:cNvSpPr>
             <a:spLocks noGrp="1"/>
           </p:cNvSpPr>
@@ -230,7 +229,7 @@
       </p:sp>
       <p:sp>
         <p:nvSpPr>
-          <p:cNvPr id="32" name="PlaceHolder 3"/>
+          <p:cNvPr id="30" name="PlaceHolder 3"/>
           <p:cNvSpPr>
             <a:spLocks noGrp="1"/>
           </p:cNvSpPr>
@@ -260,7 +259,7 @@
       </p:sp>
       <p:sp>
         <p:nvSpPr>
-          <p:cNvPr id="33" name="PlaceHolder 4"/>
+          <p:cNvPr id="31" name="PlaceHolder 4"/>
           <p:cNvSpPr>
             <a:spLocks noGrp="1"/>
           </p:cNvSpPr>
@@ -290,7 +289,7 @@
       </p:sp>
       <p:sp>
         <p:nvSpPr>
-          <p:cNvPr id="34" name="PlaceHolder 5"/>
+          <p:cNvPr id="32" name="PlaceHolder 5"/>
           <p:cNvSpPr>
             <a:spLocks noGrp="1"/>
           </p:cNvSpPr>
@@ -342,7 +341,7 @@
       </p:grpSpPr>
       <p:sp>
         <p:nvSpPr>
-          <p:cNvPr id="35" name="PlaceHolder 1"/>
+          <p:cNvPr id="33" name="PlaceHolder 1"/>
           <p:cNvSpPr>
             <a:spLocks noGrp="1"/>
           </p:cNvSpPr>
@@ -373,7 +372,7 @@
       </p:sp>
       <p:sp>
         <p:nvSpPr>
-          <p:cNvPr id="36" name="PlaceHolder 2"/>
+          <p:cNvPr id="34" name="PlaceHolder 2"/>
           <p:cNvSpPr>
             <a:spLocks noGrp="1"/>
           </p:cNvSpPr>
@@ -403,7 +402,7 @@
       </p:sp>
       <p:sp>
         <p:nvSpPr>
-          <p:cNvPr id="37" name="PlaceHolder 3"/>
+          <p:cNvPr id="35" name="PlaceHolder 3"/>
           <p:cNvSpPr>
             <a:spLocks noGrp="1"/>
           </p:cNvSpPr>
@@ -433,7 +432,7 @@
       </p:sp>
       <p:sp>
         <p:nvSpPr>
-          <p:cNvPr id="38" name="PlaceHolder 4"/>
+          <p:cNvPr id="36" name="PlaceHolder 4"/>
           <p:cNvSpPr>
             <a:spLocks noGrp="1"/>
           </p:cNvSpPr>
@@ -463,7 +462,7 @@
       </p:sp>
       <p:sp>
         <p:nvSpPr>
-          <p:cNvPr id="39" name="PlaceHolder 5"/>
+          <p:cNvPr id="37" name="PlaceHolder 5"/>
           <p:cNvSpPr>
             <a:spLocks noGrp="1"/>
           </p:cNvSpPr>
@@ -493,7 +492,7 @@
       </p:sp>
       <p:sp>
         <p:nvSpPr>
-          <p:cNvPr id="40" name="PlaceHolder 6"/>
+          <p:cNvPr id="38" name="PlaceHolder 6"/>
           <p:cNvSpPr>
             <a:spLocks noGrp="1"/>
           </p:cNvSpPr>
@@ -523,7 +522,7 @@
       </p:sp>
       <p:sp>
         <p:nvSpPr>
-          <p:cNvPr id="41" name="PlaceHolder 7"/>
+          <p:cNvPr id="39" name="PlaceHolder 7"/>
           <p:cNvSpPr>
             <a:spLocks noGrp="1"/>
           </p:cNvSpPr>
@@ -535,557 +534,6 @@
           <a:xfrm>
             <a:off x="6022080" y="2761920"/>
             <a:ext cx="2649600" cy="1422720"/>
-          </a:xfrm>
-          <a:prstGeom prst="rect">
-            <a:avLst/>
-          </a:prstGeom>
-        </p:spPr>
-        <p:txBody>
-          <a:bodyPr lIns="0" rIns="0" tIns="0" bIns="0">
-            <a:normAutofit/>
-          </a:bodyPr>
-          <a:p>
-            <a:endParaRPr b="0" lang="de-DE" sz="3200" spc="-1" strike="noStrike">
-              <a:latin typeface="Arial"/>
-            </a:endParaRPr>
-          </a:p>
-        </p:txBody>
-      </p:sp>
-    </p:spTree>
-  </p:cSld>
-</p:sldLayout>
-</file>
-
-<file path=ppt/slideLayouts/slideLayout13.xml><?xml version="1.0" encoding="utf-8"?>
-<p:sldLayout xmlns:a="http://schemas.openxmlformats.org/drawingml/2006/main" xmlns:p="http://schemas.openxmlformats.org/presentationml/2006/main" xmlns:r="http://schemas.openxmlformats.org/officeDocument/2006/relationships" xmlns:p14="http://schemas.microsoft.com/office/powerpoint/2010/main" xmlns:p15="http://schemas.microsoft.com/office/powerpoint/2012/main" xmlns:mc="http://schemas.openxmlformats.org/markup-compatibility/2006" type="blank" preserve="1">
-  <p:cSld name="Blank Slide">
-    <p:spTree>
-      <p:nvGrpSpPr>
-        <p:cNvPr id="1" name=""/>
-        <p:cNvGrpSpPr/>
-        <p:nvPr/>
-      </p:nvGrpSpPr>
-      <p:grpSpPr>
-        <a:xfrm>
-          <a:off x="0" y="0"/>
-          <a:ext cx="0" cy="0"/>
-          <a:chOff x="0" y="0"/>
-          <a:chExt cx="0" cy="0"/>
-        </a:xfrm>
-      </p:grpSpPr>
-    </p:spTree>
-  </p:cSld>
-</p:sldLayout>
-</file>
-
-<file path=ppt/slideLayouts/slideLayout14.xml><?xml version="1.0" encoding="utf-8"?>
-<p:sldLayout xmlns:a="http://schemas.openxmlformats.org/drawingml/2006/main" xmlns:p="http://schemas.openxmlformats.org/presentationml/2006/main" xmlns:r="http://schemas.openxmlformats.org/officeDocument/2006/relationships" xmlns:p14="http://schemas.microsoft.com/office/powerpoint/2010/main" xmlns:p15="http://schemas.microsoft.com/office/powerpoint/2012/main" xmlns:mc="http://schemas.openxmlformats.org/markup-compatibility/2006" type="tx" preserve="1">
-  <p:cSld name="Title Slide">
-    <p:spTree>
-      <p:nvGrpSpPr>
-        <p:cNvPr id="1" name=""/>
-        <p:cNvGrpSpPr/>
-        <p:nvPr/>
-      </p:nvGrpSpPr>
-      <p:grpSpPr>
-        <a:xfrm>
-          <a:off x="0" y="0"/>
-          <a:ext cx="0" cy="0"/>
-          <a:chOff x="0" y="0"/>
-          <a:chExt cx="0" cy="0"/>
-        </a:xfrm>
-      </p:grpSpPr>
-      <p:sp>
-        <p:nvSpPr>
-          <p:cNvPr id="46" name="PlaceHolder 1"/>
-          <p:cNvSpPr>
-            <a:spLocks noGrp="1"/>
-          </p:cNvSpPr>
-          <p:nvPr>
-            <p:ph type="title"/>
-          </p:nvPr>
-        </p:nvSpPr>
-        <p:spPr>
-          <a:xfrm>
-            <a:off x="457200" y="205200"/>
-            <a:ext cx="8229240" cy="858600"/>
-          </a:xfrm>
-          <a:prstGeom prst="rect">
-            <a:avLst/>
-          </a:prstGeom>
-        </p:spPr>
-        <p:txBody>
-          <a:bodyPr lIns="0" rIns="0" tIns="0" bIns="0" anchor="ctr">
-            <a:noAutofit/>
-          </a:bodyPr>
-          <a:p>
-            <a:pPr algn="ctr"/>
-            <a:endParaRPr b="0" lang="de-DE" sz="4400" spc="-1" strike="noStrike">
-              <a:latin typeface="Arial"/>
-            </a:endParaRPr>
-          </a:p>
-        </p:txBody>
-      </p:sp>
-      <p:sp>
-        <p:nvSpPr>
-          <p:cNvPr id="47" name="PlaceHolder 2"/>
-          <p:cNvSpPr>
-            <a:spLocks noGrp="1"/>
-          </p:cNvSpPr>
-          <p:nvPr>
-            <p:ph type="subTitle"/>
-          </p:nvPr>
-        </p:nvSpPr>
-        <p:spPr>
-          <a:xfrm>
-            <a:off x="457200" y="1203480"/>
-            <a:ext cx="8229240" cy="2982960"/>
-          </a:xfrm>
-          <a:prstGeom prst="rect">
-            <a:avLst/>
-          </a:prstGeom>
-        </p:spPr>
-        <p:txBody>
-          <a:bodyPr lIns="0" rIns="0" tIns="0" bIns="0" anchor="ctr">
-            <a:noAutofit/>
-          </a:bodyPr>
-          <a:p>
-            <a:pPr algn="ctr"/>
-            <a:endParaRPr b="0" lang="de-DE" sz="3200" spc="-1" strike="noStrike">
-              <a:latin typeface="Arial"/>
-            </a:endParaRPr>
-          </a:p>
-        </p:txBody>
-      </p:sp>
-    </p:spTree>
-  </p:cSld>
-</p:sldLayout>
-</file>
-
-<file path=ppt/slideLayouts/slideLayout15.xml><?xml version="1.0" encoding="utf-8"?>
-<p:sldLayout xmlns:a="http://schemas.openxmlformats.org/drawingml/2006/main" xmlns:p="http://schemas.openxmlformats.org/presentationml/2006/main" xmlns:r="http://schemas.openxmlformats.org/officeDocument/2006/relationships" xmlns:p14="http://schemas.microsoft.com/office/powerpoint/2010/main" xmlns:p15="http://schemas.microsoft.com/office/powerpoint/2012/main" xmlns:mc="http://schemas.openxmlformats.org/markup-compatibility/2006" type="obj" preserve="1">
-  <p:cSld name="Title, Content">
-    <p:spTree>
-      <p:nvGrpSpPr>
-        <p:cNvPr id="1" name=""/>
-        <p:cNvGrpSpPr/>
-        <p:nvPr/>
-      </p:nvGrpSpPr>
-      <p:grpSpPr>
-        <a:xfrm>
-          <a:off x="0" y="0"/>
-          <a:ext cx="0" cy="0"/>
-          <a:chOff x="0" y="0"/>
-          <a:chExt cx="0" cy="0"/>
-        </a:xfrm>
-      </p:grpSpPr>
-      <p:sp>
-        <p:nvSpPr>
-          <p:cNvPr id="48" name="PlaceHolder 1"/>
-          <p:cNvSpPr>
-            <a:spLocks noGrp="1"/>
-          </p:cNvSpPr>
-          <p:nvPr>
-            <p:ph type="title"/>
-          </p:nvPr>
-        </p:nvSpPr>
-        <p:spPr>
-          <a:xfrm>
-            <a:off x="457200" y="205200"/>
-            <a:ext cx="8229240" cy="858600"/>
-          </a:xfrm>
-          <a:prstGeom prst="rect">
-            <a:avLst/>
-          </a:prstGeom>
-        </p:spPr>
-        <p:txBody>
-          <a:bodyPr lIns="0" rIns="0" tIns="0" bIns="0" anchor="ctr">
-            <a:noAutofit/>
-          </a:bodyPr>
-          <a:p>
-            <a:pPr algn="ctr"/>
-            <a:endParaRPr b="0" lang="de-DE" sz="4400" spc="-1" strike="noStrike">
-              <a:latin typeface="Arial"/>
-            </a:endParaRPr>
-          </a:p>
-        </p:txBody>
-      </p:sp>
-      <p:sp>
-        <p:nvSpPr>
-          <p:cNvPr id="49" name="PlaceHolder 2"/>
-          <p:cNvSpPr>
-            <a:spLocks noGrp="1"/>
-          </p:cNvSpPr>
-          <p:nvPr>
-            <p:ph type="body"/>
-          </p:nvPr>
-        </p:nvSpPr>
-        <p:spPr>
-          <a:xfrm>
-            <a:off x="457200" y="1203480"/>
-            <a:ext cx="8229240" cy="2982960"/>
-          </a:xfrm>
-          <a:prstGeom prst="rect">
-            <a:avLst/>
-          </a:prstGeom>
-        </p:spPr>
-        <p:txBody>
-          <a:bodyPr lIns="0" rIns="0" tIns="0" bIns="0">
-            <a:normAutofit/>
-          </a:bodyPr>
-          <a:p>
-            <a:endParaRPr b="0" lang="de-DE" sz="3200" spc="-1" strike="noStrike">
-              <a:latin typeface="Arial"/>
-            </a:endParaRPr>
-          </a:p>
-        </p:txBody>
-      </p:sp>
-    </p:spTree>
-  </p:cSld>
-</p:sldLayout>
-</file>
-
-<file path=ppt/slideLayouts/slideLayout16.xml><?xml version="1.0" encoding="utf-8"?>
-<p:sldLayout xmlns:a="http://schemas.openxmlformats.org/drawingml/2006/main" xmlns:p="http://schemas.openxmlformats.org/presentationml/2006/main" xmlns:r="http://schemas.openxmlformats.org/officeDocument/2006/relationships" xmlns:p14="http://schemas.microsoft.com/office/powerpoint/2010/main" xmlns:p15="http://schemas.microsoft.com/office/powerpoint/2012/main" xmlns:mc="http://schemas.openxmlformats.org/markup-compatibility/2006" type="twoObj" preserve="1">
-  <p:cSld name="Title, 2 Content">
-    <p:spTree>
-      <p:nvGrpSpPr>
-        <p:cNvPr id="1" name=""/>
-        <p:cNvGrpSpPr/>
-        <p:nvPr/>
-      </p:nvGrpSpPr>
-      <p:grpSpPr>
-        <a:xfrm>
-          <a:off x="0" y="0"/>
-          <a:ext cx="0" cy="0"/>
-          <a:chOff x="0" y="0"/>
-          <a:chExt cx="0" cy="0"/>
-        </a:xfrm>
-      </p:grpSpPr>
-      <p:sp>
-        <p:nvSpPr>
-          <p:cNvPr id="50" name="PlaceHolder 1"/>
-          <p:cNvSpPr>
-            <a:spLocks noGrp="1"/>
-          </p:cNvSpPr>
-          <p:nvPr>
-            <p:ph type="title"/>
-          </p:nvPr>
-        </p:nvSpPr>
-        <p:spPr>
-          <a:xfrm>
-            <a:off x="457200" y="205200"/>
-            <a:ext cx="8229240" cy="858600"/>
-          </a:xfrm>
-          <a:prstGeom prst="rect">
-            <a:avLst/>
-          </a:prstGeom>
-        </p:spPr>
-        <p:txBody>
-          <a:bodyPr lIns="0" rIns="0" tIns="0" bIns="0" anchor="ctr">
-            <a:noAutofit/>
-          </a:bodyPr>
-          <a:p>
-            <a:pPr algn="ctr"/>
-            <a:endParaRPr b="0" lang="de-DE" sz="4400" spc="-1" strike="noStrike">
-              <a:latin typeface="Arial"/>
-            </a:endParaRPr>
-          </a:p>
-        </p:txBody>
-      </p:sp>
-      <p:sp>
-        <p:nvSpPr>
-          <p:cNvPr id="51" name="PlaceHolder 2"/>
-          <p:cNvSpPr>
-            <a:spLocks noGrp="1"/>
-          </p:cNvSpPr>
-          <p:nvPr>
-            <p:ph type="body"/>
-          </p:nvPr>
-        </p:nvSpPr>
-        <p:spPr>
-          <a:xfrm>
-            <a:off x="457200" y="1203480"/>
-            <a:ext cx="4015800" cy="2982960"/>
-          </a:xfrm>
-          <a:prstGeom prst="rect">
-            <a:avLst/>
-          </a:prstGeom>
-        </p:spPr>
-        <p:txBody>
-          <a:bodyPr lIns="0" rIns="0" tIns="0" bIns="0">
-            <a:normAutofit/>
-          </a:bodyPr>
-          <a:p>
-            <a:endParaRPr b="0" lang="de-DE" sz="3200" spc="-1" strike="noStrike">
-              <a:latin typeface="Arial"/>
-            </a:endParaRPr>
-          </a:p>
-        </p:txBody>
-      </p:sp>
-      <p:sp>
-        <p:nvSpPr>
-          <p:cNvPr id="52" name="PlaceHolder 3"/>
-          <p:cNvSpPr>
-            <a:spLocks noGrp="1"/>
-          </p:cNvSpPr>
-          <p:nvPr>
-            <p:ph type="body"/>
-          </p:nvPr>
-        </p:nvSpPr>
-        <p:spPr>
-          <a:xfrm>
-            <a:off x="4674240" y="1203480"/>
-            <a:ext cx="4015800" cy="2982960"/>
-          </a:xfrm>
-          <a:prstGeom prst="rect">
-            <a:avLst/>
-          </a:prstGeom>
-        </p:spPr>
-        <p:txBody>
-          <a:bodyPr lIns="0" rIns="0" tIns="0" bIns="0">
-            <a:normAutofit/>
-          </a:bodyPr>
-          <a:p>
-            <a:endParaRPr b="0" lang="de-DE" sz="3200" spc="-1" strike="noStrike">
-              <a:latin typeface="Arial"/>
-            </a:endParaRPr>
-          </a:p>
-        </p:txBody>
-      </p:sp>
-    </p:spTree>
-  </p:cSld>
-</p:sldLayout>
-</file>
-
-<file path=ppt/slideLayouts/slideLayout17.xml><?xml version="1.0" encoding="utf-8"?>
-<p:sldLayout xmlns:a="http://schemas.openxmlformats.org/drawingml/2006/main" xmlns:p="http://schemas.openxmlformats.org/presentationml/2006/main" xmlns:r="http://schemas.openxmlformats.org/officeDocument/2006/relationships" xmlns:p14="http://schemas.microsoft.com/office/powerpoint/2010/main" xmlns:p15="http://schemas.microsoft.com/office/powerpoint/2012/main" xmlns:mc="http://schemas.openxmlformats.org/markup-compatibility/2006" type="titleOnly" preserve="1">
-  <p:cSld name="Title Only">
-    <p:spTree>
-      <p:nvGrpSpPr>
-        <p:cNvPr id="1" name=""/>
-        <p:cNvGrpSpPr/>
-        <p:nvPr/>
-      </p:nvGrpSpPr>
-      <p:grpSpPr>
-        <a:xfrm>
-          <a:off x="0" y="0"/>
-          <a:ext cx="0" cy="0"/>
-          <a:chOff x="0" y="0"/>
-          <a:chExt cx="0" cy="0"/>
-        </a:xfrm>
-      </p:grpSpPr>
-      <p:sp>
-        <p:nvSpPr>
-          <p:cNvPr id="53" name="PlaceHolder 1"/>
-          <p:cNvSpPr>
-            <a:spLocks noGrp="1"/>
-          </p:cNvSpPr>
-          <p:nvPr>
-            <p:ph type="title"/>
-          </p:nvPr>
-        </p:nvSpPr>
-        <p:spPr>
-          <a:xfrm>
-            <a:off x="457200" y="205200"/>
-            <a:ext cx="8229240" cy="858600"/>
-          </a:xfrm>
-          <a:prstGeom prst="rect">
-            <a:avLst/>
-          </a:prstGeom>
-        </p:spPr>
-        <p:txBody>
-          <a:bodyPr lIns="0" rIns="0" tIns="0" bIns="0" anchor="ctr">
-            <a:noAutofit/>
-          </a:bodyPr>
-          <a:p>
-            <a:pPr algn="ctr"/>
-            <a:endParaRPr b="0" lang="de-DE" sz="4400" spc="-1" strike="noStrike">
-              <a:latin typeface="Arial"/>
-            </a:endParaRPr>
-          </a:p>
-        </p:txBody>
-      </p:sp>
-    </p:spTree>
-  </p:cSld>
-</p:sldLayout>
-</file>
-
-<file path=ppt/slideLayouts/slideLayout18.xml><?xml version="1.0" encoding="utf-8"?>
-<p:sldLayout xmlns:a="http://schemas.openxmlformats.org/drawingml/2006/main" xmlns:p="http://schemas.openxmlformats.org/presentationml/2006/main" xmlns:r="http://schemas.openxmlformats.org/officeDocument/2006/relationships" xmlns:p14="http://schemas.microsoft.com/office/powerpoint/2010/main" xmlns:p15="http://schemas.microsoft.com/office/powerpoint/2012/main" xmlns:mc="http://schemas.openxmlformats.org/markup-compatibility/2006" type="objOnly" preserve="1">
-  <p:cSld name="Centered Text">
-    <p:spTree>
-      <p:nvGrpSpPr>
-        <p:cNvPr id="1" name=""/>
-        <p:cNvGrpSpPr/>
-        <p:nvPr/>
-      </p:nvGrpSpPr>
-      <p:grpSpPr>
-        <a:xfrm>
-          <a:off x="0" y="0"/>
-          <a:ext cx="0" cy="0"/>
-          <a:chOff x="0" y="0"/>
-          <a:chExt cx="0" cy="0"/>
-        </a:xfrm>
-      </p:grpSpPr>
-      <p:sp>
-        <p:nvSpPr>
-          <p:cNvPr id="54" name="PlaceHolder 1"/>
-          <p:cNvSpPr>
-            <a:spLocks noGrp="1"/>
-          </p:cNvSpPr>
-          <p:nvPr>
-            <p:ph type="subTitle"/>
-          </p:nvPr>
-        </p:nvSpPr>
-        <p:spPr>
-          <a:xfrm>
-            <a:off x="457200" y="205200"/>
-            <a:ext cx="8229240" cy="3981240"/>
-          </a:xfrm>
-          <a:prstGeom prst="rect">
-            <a:avLst/>
-          </a:prstGeom>
-        </p:spPr>
-        <p:txBody>
-          <a:bodyPr lIns="0" rIns="0" tIns="0" bIns="0" anchor="ctr">
-            <a:noAutofit/>
-          </a:bodyPr>
-          <a:p>
-            <a:pPr algn="ctr"/>
-            <a:endParaRPr b="0" lang="de-DE" sz="3200" spc="-1" strike="noStrike">
-              <a:latin typeface="Arial"/>
-            </a:endParaRPr>
-          </a:p>
-        </p:txBody>
-      </p:sp>
-    </p:spTree>
-  </p:cSld>
-</p:sldLayout>
-</file>
-
-<file path=ppt/slideLayouts/slideLayout19.xml><?xml version="1.0" encoding="utf-8"?>
-<p:sldLayout xmlns:a="http://schemas.openxmlformats.org/drawingml/2006/main" xmlns:p="http://schemas.openxmlformats.org/presentationml/2006/main" xmlns:r="http://schemas.openxmlformats.org/officeDocument/2006/relationships" xmlns:p14="http://schemas.microsoft.com/office/powerpoint/2010/main" xmlns:p15="http://schemas.microsoft.com/office/powerpoint/2012/main" xmlns:mc="http://schemas.openxmlformats.org/markup-compatibility/2006" type="twoObjAndObj" preserve="1">
-  <p:cSld name="Title, 2 Content and Content">
-    <p:spTree>
-      <p:nvGrpSpPr>
-        <p:cNvPr id="1" name=""/>
-        <p:cNvGrpSpPr/>
-        <p:nvPr/>
-      </p:nvGrpSpPr>
-      <p:grpSpPr>
-        <a:xfrm>
-          <a:off x="0" y="0"/>
-          <a:ext cx="0" cy="0"/>
-          <a:chOff x="0" y="0"/>
-          <a:chExt cx="0" cy="0"/>
-        </a:xfrm>
-      </p:grpSpPr>
-      <p:sp>
-        <p:nvSpPr>
-          <p:cNvPr id="55" name="PlaceHolder 1"/>
-          <p:cNvSpPr>
-            <a:spLocks noGrp="1"/>
-          </p:cNvSpPr>
-          <p:nvPr>
-            <p:ph type="title"/>
-          </p:nvPr>
-        </p:nvSpPr>
-        <p:spPr>
-          <a:xfrm>
-            <a:off x="457200" y="205200"/>
-            <a:ext cx="8229240" cy="858600"/>
-          </a:xfrm>
-          <a:prstGeom prst="rect">
-            <a:avLst/>
-          </a:prstGeom>
-        </p:spPr>
-        <p:txBody>
-          <a:bodyPr lIns="0" rIns="0" tIns="0" bIns="0" anchor="ctr">
-            <a:noAutofit/>
-          </a:bodyPr>
-          <a:p>
-            <a:pPr algn="ctr"/>
-            <a:endParaRPr b="0" lang="de-DE" sz="4400" spc="-1" strike="noStrike">
-              <a:latin typeface="Arial"/>
-            </a:endParaRPr>
-          </a:p>
-        </p:txBody>
-      </p:sp>
-      <p:sp>
-        <p:nvSpPr>
-          <p:cNvPr id="56" name="PlaceHolder 2"/>
-          <p:cNvSpPr>
-            <a:spLocks noGrp="1"/>
-          </p:cNvSpPr>
-          <p:nvPr>
-            <p:ph type="body"/>
-          </p:nvPr>
-        </p:nvSpPr>
-        <p:spPr>
-          <a:xfrm>
-            <a:off x="457200" y="1203480"/>
-            <a:ext cx="4015800" cy="1422720"/>
-          </a:xfrm>
-          <a:prstGeom prst="rect">
-            <a:avLst/>
-          </a:prstGeom>
-        </p:spPr>
-        <p:txBody>
-          <a:bodyPr lIns="0" rIns="0" tIns="0" bIns="0">
-            <a:normAutofit/>
-          </a:bodyPr>
-          <a:p>
-            <a:endParaRPr b="0" lang="de-DE" sz="3200" spc="-1" strike="noStrike">
-              <a:latin typeface="Arial"/>
-            </a:endParaRPr>
-          </a:p>
-        </p:txBody>
-      </p:sp>
-      <p:sp>
-        <p:nvSpPr>
-          <p:cNvPr id="57" name="PlaceHolder 3"/>
-          <p:cNvSpPr>
-            <a:spLocks noGrp="1"/>
-          </p:cNvSpPr>
-          <p:nvPr>
-            <p:ph type="body"/>
-          </p:nvPr>
-        </p:nvSpPr>
-        <p:spPr>
-          <a:xfrm>
-            <a:off x="4674240" y="1203480"/>
-            <a:ext cx="4015800" cy="2982960"/>
-          </a:xfrm>
-          <a:prstGeom prst="rect">
-            <a:avLst/>
-          </a:prstGeom>
-        </p:spPr>
-        <p:txBody>
-          <a:bodyPr lIns="0" rIns="0" tIns="0" bIns="0">
-            <a:normAutofit/>
-          </a:bodyPr>
-          <a:p>
-            <a:endParaRPr b="0" lang="de-DE" sz="3200" spc="-1" strike="noStrike">
-              <a:latin typeface="Arial"/>
-            </a:endParaRPr>
-          </a:p>
-        </p:txBody>
-      </p:sp>
-      <p:sp>
-        <p:nvSpPr>
-          <p:cNvPr id="58" name="PlaceHolder 4"/>
-          <p:cNvSpPr>
-            <a:spLocks noGrp="1"/>
-          </p:cNvSpPr>
-          <p:nvPr>
-            <p:ph type="body"/>
-          </p:nvPr>
-        </p:nvSpPr>
-        <p:spPr>
-          <a:xfrm>
-            <a:off x="457200" y="2761920"/>
-            <a:ext cx="4015800" cy="1422720"/>
           </a:xfrm>
           <a:prstGeom prst="rect">
             <a:avLst/>
@@ -1126,7 +574,7 @@
       </p:grpSpPr>
       <p:sp>
         <p:nvSpPr>
-          <p:cNvPr id="6" name="PlaceHolder 1"/>
+          <p:cNvPr id="4" name="PlaceHolder 1"/>
           <p:cNvSpPr>
             <a:spLocks noGrp="1"/>
           </p:cNvSpPr>
@@ -1157,7 +605,7 @@
       </p:sp>
       <p:sp>
         <p:nvSpPr>
-          <p:cNvPr id="7" name="PlaceHolder 2"/>
+          <p:cNvPr id="5" name="PlaceHolder 2"/>
           <p:cNvSpPr>
             <a:spLocks noGrp="1"/>
           </p:cNvSpPr>
@@ -1180,811 +628,6 @@
           </a:bodyPr>
           <a:p>
             <a:pPr algn="ctr"/>
-            <a:endParaRPr b="0" lang="de-DE" sz="3200" spc="-1" strike="noStrike">
-              <a:latin typeface="Arial"/>
-            </a:endParaRPr>
-          </a:p>
-        </p:txBody>
-      </p:sp>
-    </p:spTree>
-  </p:cSld>
-</p:sldLayout>
-</file>
-
-<file path=ppt/slideLayouts/slideLayout20.xml><?xml version="1.0" encoding="utf-8"?>
-<p:sldLayout xmlns:a="http://schemas.openxmlformats.org/drawingml/2006/main" xmlns:p="http://schemas.openxmlformats.org/presentationml/2006/main" xmlns:r="http://schemas.openxmlformats.org/officeDocument/2006/relationships" xmlns:p14="http://schemas.microsoft.com/office/powerpoint/2010/main" xmlns:p15="http://schemas.microsoft.com/office/powerpoint/2012/main" xmlns:mc="http://schemas.openxmlformats.org/markup-compatibility/2006" type="objAndTwoObj" preserve="1">
-  <p:cSld name="Title Content and 2 Content">
-    <p:spTree>
-      <p:nvGrpSpPr>
-        <p:cNvPr id="1" name=""/>
-        <p:cNvGrpSpPr/>
-        <p:nvPr/>
-      </p:nvGrpSpPr>
-      <p:grpSpPr>
-        <a:xfrm>
-          <a:off x="0" y="0"/>
-          <a:ext cx="0" cy="0"/>
-          <a:chOff x="0" y="0"/>
-          <a:chExt cx="0" cy="0"/>
-        </a:xfrm>
-      </p:grpSpPr>
-      <p:sp>
-        <p:nvSpPr>
-          <p:cNvPr id="59" name="PlaceHolder 1"/>
-          <p:cNvSpPr>
-            <a:spLocks noGrp="1"/>
-          </p:cNvSpPr>
-          <p:nvPr>
-            <p:ph type="title"/>
-          </p:nvPr>
-        </p:nvSpPr>
-        <p:spPr>
-          <a:xfrm>
-            <a:off x="457200" y="205200"/>
-            <a:ext cx="8229240" cy="858600"/>
-          </a:xfrm>
-          <a:prstGeom prst="rect">
-            <a:avLst/>
-          </a:prstGeom>
-        </p:spPr>
-        <p:txBody>
-          <a:bodyPr lIns="0" rIns="0" tIns="0" bIns="0" anchor="ctr">
-            <a:noAutofit/>
-          </a:bodyPr>
-          <a:p>
-            <a:pPr algn="ctr"/>
-            <a:endParaRPr b="0" lang="de-DE" sz="4400" spc="-1" strike="noStrike">
-              <a:latin typeface="Arial"/>
-            </a:endParaRPr>
-          </a:p>
-        </p:txBody>
-      </p:sp>
-      <p:sp>
-        <p:nvSpPr>
-          <p:cNvPr id="60" name="PlaceHolder 2"/>
-          <p:cNvSpPr>
-            <a:spLocks noGrp="1"/>
-          </p:cNvSpPr>
-          <p:nvPr>
-            <p:ph type="body"/>
-          </p:nvPr>
-        </p:nvSpPr>
-        <p:spPr>
-          <a:xfrm>
-            <a:off x="457200" y="1203480"/>
-            <a:ext cx="4015800" cy="2982960"/>
-          </a:xfrm>
-          <a:prstGeom prst="rect">
-            <a:avLst/>
-          </a:prstGeom>
-        </p:spPr>
-        <p:txBody>
-          <a:bodyPr lIns="0" rIns="0" tIns="0" bIns="0">
-            <a:normAutofit/>
-          </a:bodyPr>
-          <a:p>
-            <a:endParaRPr b="0" lang="de-DE" sz="3200" spc="-1" strike="noStrike">
-              <a:latin typeface="Arial"/>
-            </a:endParaRPr>
-          </a:p>
-        </p:txBody>
-      </p:sp>
-      <p:sp>
-        <p:nvSpPr>
-          <p:cNvPr id="61" name="PlaceHolder 3"/>
-          <p:cNvSpPr>
-            <a:spLocks noGrp="1"/>
-          </p:cNvSpPr>
-          <p:nvPr>
-            <p:ph type="body"/>
-          </p:nvPr>
-        </p:nvSpPr>
-        <p:spPr>
-          <a:xfrm>
-            <a:off x="4674240" y="1203480"/>
-            <a:ext cx="4015800" cy="1422720"/>
-          </a:xfrm>
-          <a:prstGeom prst="rect">
-            <a:avLst/>
-          </a:prstGeom>
-        </p:spPr>
-        <p:txBody>
-          <a:bodyPr lIns="0" rIns="0" tIns="0" bIns="0">
-            <a:normAutofit/>
-          </a:bodyPr>
-          <a:p>
-            <a:endParaRPr b="0" lang="de-DE" sz="3200" spc="-1" strike="noStrike">
-              <a:latin typeface="Arial"/>
-            </a:endParaRPr>
-          </a:p>
-        </p:txBody>
-      </p:sp>
-      <p:sp>
-        <p:nvSpPr>
-          <p:cNvPr id="62" name="PlaceHolder 4"/>
-          <p:cNvSpPr>
-            <a:spLocks noGrp="1"/>
-          </p:cNvSpPr>
-          <p:nvPr>
-            <p:ph type="body"/>
-          </p:nvPr>
-        </p:nvSpPr>
-        <p:spPr>
-          <a:xfrm>
-            <a:off x="4674240" y="2761920"/>
-            <a:ext cx="4015800" cy="1422720"/>
-          </a:xfrm>
-          <a:prstGeom prst="rect">
-            <a:avLst/>
-          </a:prstGeom>
-        </p:spPr>
-        <p:txBody>
-          <a:bodyPr lIns="0" rIns="0" tIns="0" bIns="0">
-            <a:normAutofit/>
-          </a:bodyPr>
-          <a:p>
-            <a:endParaRPr b="0" lang="de-DE" sz="3200" spc="-1" strike="noStrike">
-              <a:latin typeface="Arial"/>
-            </a:endParaRPr>
-          </a:p>
-        </p:txBody>
-      </p:sp>
-    </p:spTree>
-  </p:cSld>
-</p:sldLayout>
-</file>
-
-<file path=ppt/slideLayouts/slideLayout21.xml><?xml version="1.0" encoding="utf-8"?>
-<p:sldLayout xmlns:a="http://schemas.openxmlformats.org/drawingml/2006/main" xmlns:p="http://schemas.openxmlformats.org/presentationml/2006/main" xmlns:r="http://schemas.openxmlformats.org/officeDocument/2006/relationships" xmlns:p14="http://schemas.microsoft.com/office/powerpoint/2010/main" xmlns:p15="http://schemas.microsoft.com/office/powerpoint/2012/main" xmlns:mc="http://schemas.openxmlformats.org/markup-compatibility/2006" type="twoObjOverTx" preserve="1">
-  <p:cSld name="Title, 2 Content over Content">
-    <p:spTree>
-      <p:nvGrpSpPr>
-        <p:cNvPr id="1" name=""/>
-        <p:cNvGrpSpPr/>
-        <p:nvPr/>
-      </p:nvGrpSpPr>
-      <p:grpSpPr>
-        <a:xfrm>
-          <a:off x="0" y="0"/>
-          <a:ext cx="0" cy="0"/>
-          <a:chOff x="0" y="0"/>
-          <a:chExt cx="0" cy="0"/>
-        </a:xfrm>
-      </p:grpSpPr>
-      <p:sp>
-        <p:nvSpPr>
-          <p:cNvPr id="63" name="PlaceHolder 1"/>
-          <p:cNvSpPr>
-            <a:spLocks noGrp="1"/>
-          </p:cNvSpPr>
-          <p:nvPr>
-            <p:ph type="title"/>
-          </p:nvPr>
-        </p:nvSpPr>
-        <p:spPr>
-          <a:xfrm>
-            <a:off x="457200" y="205200"/>
-            <a:ext cx="8229240" cy="858600"/>
-          </a:xfrm>
-          <a:prstGeom prst="rect">
-            <a:avLst/>
-          </a:prstGeom>
-        </p:spPr>
-        <p:txBody>
-          <a:bodyPr lIns="0" rIns="0" tIns="0" bIns="0" anchor="ctr">
-            <a:noAutofit/>
-          </a:bodyPr>
-          <a:p>
-            <a:pPr algn="ctr"/>
-            <a:endParaRPr b="0" lang="de-DE" sz="4400" spc="-1" strike="noStrike">
-              <a:latin typeface="Arial"/>
-            </a:endParaRPr>
-          </a:p>
-        </p:txBody>
-      </p:sp>
-      <p:sp>
-        <p:nvSpPr>
-          <p:cNvPr id="64" name="PlaceHolder 2"/>
-          <p:cNvSpPr>
-            <a:spLocks noGrp="1"/>
-          </p:cNvSpPr>
-          <p:nvPr>
-            <p:ph type="body"/>
-          </p:nvPr>
-        </p:nvSpPr>
-        <p:spPr>
-          <a:xfrm>
-            <a:off x="457200" y="1203480"/>
-            <a:ext cx="4015800" cy="1422720"/>
-          </a:xfrm>
-          <a:prstGeom prst="rect">
-            <a:avLst/>
-          </a:prstGeom>
-        </p:spPr>
-        <p:txBody>
-          <a:bodyPr lIns="0" rIns="0" tIns="0" bIns="0">
-            <a:normAutofit/>
-          </a:bodyPr>
-          <a:p>
-            <a:endParaRPr b="0" lang="de-DE" sz="3200" spc="-1" strike="noStrike">
-              <a:latin typeface="Arial"/>
-            </a:endParaRPr>
-          </a:p>
-        </p:txBody>
-      </p:sp>
-      <p:sp>
-        <p:nvSpPr>
-          <p:cNvPr id="65" name="PlaceHolder 3"/>
-          <p:cNvSpPr>
-            <a:spLocks noGrp="1"/>
-          </p:cNvSpPr>
-          <p:nvPr>
-            <p:ph type="body"/>
-          </p:nvPr>
-        </p:nvSpPr>
-        <p:spPr>
-          <a:xfrm>
-            <a:off x="4674240" y="1203480"/>
-            <a:ext cx="4015800" cy="1422720"/>
-          </a:xfrm>
-          <a:prstGeom prst="rect">
-            <a:avLst/>
-          </a:prstGeom>
-        </p:spPr>
-        <p:txBody>
-          <a:bodyPr lIns="0" rIns="0" tIns="0" bIns="0">
-            <a:normAutofit/>
-          </a:bodyPr>
-          <a:p>
-            <a:endParaRPr b="0" lang="de-DE" sz="3200" spc="-1" strike="noStrike">
-              <a:latin typeface="Arial"/>
-            </a:endParaRPr>
-          </a:p>
-        </p:txBody>
-      </p:sp>
-      <p:sp>
-        <p:nvSpPr>
-          <p:cNvPr id="66" name="PlaceHolder 4"/>
-          <p:cNvSpPr>
-            <a:spLocks noGrp="1"/>
-          </p:cNvSpPr>
-          <p:nvPr>
-            <p:ph type="body"/>
-          </p:nvPr>
-        </p:nvSpPr>
-        <p:spPr>
-          <a:xfrm>
-            <a:off x="457200" y="2761920"/>
-            <a:ext cx="8229240" cy="1422720"/>
-          </a:xfrm>
-          <a:prstGeom prst="rect">
-            <a:avLst/>
-          </a:prstGeom>
-        </p:spPr>
-        <p:txBody>
-          <a:bodyPr lIns="0" rIns="0" tIns="0" bIns="0">
-            <a:normAutofit/>
-          </a:bodyPr>
-          <a:p>
-            <a:endParaRPr b="0" lang="de-DE" sz="3200" spc="-1" strike="noStrike">
-              <a:latin typeface="Arial"/>
-            </a:endParaRPr>
-          </a:p>
-        </p:txBody>
-      </p:sp>
-    </p:spTree>
-  </p:cSld>
-</p:sldLayout>
-</file>
-
-<file path=ppt/slideLayouts/slideLayout22.xml><?xml version="1.0" encoding="utf-8"?>
-<p:sldLayout xmlns:a="http://schemas.openxmlformats.org/drawingml/2006/main" xmlns:p="http://schemas.openxmlformats.org/presentationml/2006/main" xmlns:r="http://schemas.openxmlformats.org/officeDocument/2006/relationships" xmlns:p14="http://schemas.microsoft.com/office/powerpoint/2010/main" xmlns:p15="http://schemas.microsoft.com/office/powerpoint/2012/main" xmlns:mc="http://schemas.openxmlformats.org/markup-compatibility/2006" type="objOverTx" preserve="1">
-  <p:cSld name="Title, Content over Content">
-    <p:spTree>
-      <p:nvGrpSpPr>
-        <p:cNvPr id="1" name=""/>
-        <p:cNvGrpSpPr/>
-        <p:nvPr/>
-      </p:nvGrpSpPr>
-      <p:grpSpPr>
-        <a:xfrm>
-          <a:off x="0" y="0"/>
-          <a:ext cx="0" cy="0"/>
-          <a:chOff x="0" y="0"/>
-          <a:chExt cx="0" cy="0"/>
-        </a:xfrm>
-      </p:grpSpPr>
-      <p:sp>
-        <p:nvSpPr>
-          <p:cNvPr id="67" name="PlaceHolder 1"/>
-          <p:cNvSpPr>
-            <a:spLocks noGrp="1"/>
-          </p:cNvSpPr>
-          <p:nvPr>
-            <p:ph type="title"/>
-          </p:nvPr>
-        </p:nvSpPr>
-        <p:spPr>
-          <a:xfrm>
-            <a:off x="457200" y="205200"/>
-            <a:ext cx="8229240" cy="858600"/>
-          </a:xfrm>
-          <a:prstGeom prst="rect">
-            <a:avLst/>
-          </a:prstGeom>
-        </p:spPr>
-        <p:txBody>
-          <a:bodyPr lIns="0" rIns="0" tIns="0" bIns="0" anchor="ctr">
-            <a:noAutofit/>
-          </a:bodyPr>
-          <a:p>
-            <a:pPr algn="ctr"/>
-            <a:endParaRPr b="0" lang="de-DE" sz="4400" spc="-1" strike="noStrike">
-              <a:latin typeface="Arial"/>
-            </a:endParaRPr>
-          </a:p>
-        </p:txBody>
-      </p:sp>
-      <p:sp>
-        <p:nvSpPr>
-          <p:cNvPr id="68" name="PlaceHolder 2"/>
-          <p:cNvSpPr>
-            <a:spLocks noGrp="1"/>
-          </p:cNvSpPr>
-          <p:nvPr>
-            <p:ph type="body"/>
-          </p:nvPr>
-        </p:nvSpPr>
-        <p:spPr>
-          <a:xfrm>
-            <a:off x="457200" y="1203480"/>
-            <a:ext cx="8229240" cy="1422720"/>
-          </a:xfrm>
-          <a:prstGeom prst="rect">
-            <a:avLst/>
-          </a:prstGeom>
-        </p:spPr>
-        <p:txBody>
-          <a:bodyPr lIns="0" rIns="0" tIns="0" bIns="0">
-            <a:normAutofit/>
-          </a:bodyPr>
-          <a:p>
-            <a:endParaRPr b="0" lang="de-DE" sz="3200" spc="-1" strike="noStrike">
-              <a:latin typeface="Arial"/>
-            </a:endParaRPr>
-          </a:p>
-        </p:txBody>
-      </p:sp>
-      <p:sp>
-        <p:nvSpPr>
-          <p:cNvPr id="69" name="PlaceHolder 3"/>
-          <p:cNvSpPr>
-            <a:spLocks noGrp="1"/>
-          </p:cNvSpPr>
-          <p:nvPr>
-            <p:ph type="body"/>
-          </p:nvPr>
-        </p:nvSpPr>
-        <p:spPr>
-          <a:xfrm>
-            <a:off x="457200" y="2761920"/>
-            <a:ext cx="8229240" cy="1422720"/>
-          </a:xfrm>
-          <a:prstGeom prst="rect">
-            <a:avLst/>
-          </a:prstGeom>
-        </p:spPr>
-        <p:txBody>
-          <a:bodyPr lIns="0" rIns="0" tIns="0" bIns="0">
-            <a:normAutofit/>
-          </a:bodyPr>
-          <a:p>
-            <a:endParaRPr b="0" lang="de-DE" sz="3200" spc="-1" strike="noStrike">
-              <a:latin typeface="Arial"/>
-            </a:endParaRPr>
-          </a:p>
-        </p:txBody>
-      </p:sp>
-    </p:spTree>
-  </p:cSld>
-</p:sldLayout>
-</file>
-
-<file path=ppt/slideLayouts/slideLayout23.xml><?xml version="1.0" encoding="utf-8"?>
-<p:sldLayout xmlns:a="http://schemas.openxmlformats.org/drawingml/2006/main" xmlns:p="http://schemas.openxmlformats.org/presentationml/2006/main" xmlns:r="http://schemas.openxmlformats.org/officeDocument/2006/relationships" xmlns:p14="http://schemas.microsoft.com/office/powerpoint/2010/main" xmlns:p15="http://schemas.microsoft.com/office/powerpoint/2012/main" xmlns:mc="http://schemas.openxmlformats.org/markup-compatibility/2006" type="fourObj" preserve="1">
-  <p:cSld name="Title, 4 Content">
-    <p:spTree>
-      <p:nvGrpSpPr>
-        <p:cNvPr id="1" name=""/>
-        <p:cNvGrpSpPr/>
-        <p:nvPr/>
-      </p:nvGrpSpPr>
-      <p:grpSpPr>
-        <a:xfrm>
-          <a:off x="0" y="0"/>
-          <a:ext cx="0" cy="0"/>
-          <a:chOff x="0" y="0"/>
-          <a:chExt cx="0" cy="0"/>
-        </a:xfrm>
-      </p:grpSpPr>
-      <p:sp>
-        <p:nvSpPr>
-          <p:cNvPr id="70" name="PlaceHolder 1"/>
-          <p:cNvSpPr>
-            <a:spLocks noGrp="1"/>
-          </p:cNvSpPr>
-          <p:nvPr>
-            <p:ph type="title"/>
-          </p:nvPr>
-        </p:nvSpPr>
-        <p:spPr>
-          <a:xfrm>
-            <a:off x="457200" y="205200"/>
-            <a:ext cx="8229240" cy="858600"/>
-          </a:xfrm>
-          <a:prstGeom prst="rect">
-            <a:avLst/>
-          </a:prstGeom>
-        </p:spPr>
-        <p:txBody>
-          <a:bodyPr lIns="0" rIns="0" tIns="0" bIns="0" anchor="ctr">
-            <a:noAutofit/>
-          </a:bodyPr>
-          <a:p>
-            <a:pPr algn="ctr"/>
-            <a:endParaRPr b="0" lang="de-DE" sz="4400" spc="-1" strike="noStrike">
-              <a:latin typeface="Arial"/>
-            </a:endParaRPr>
-          </a:p>
-        </p:txBody>
-      </p:sp>
-      <p:sp>
-        <p:nvSpPr>
-          <p:cNvPr id="71" name="PlaceHolder 2"/>
-          <p:cNvSpPr>
-            <a:spLocks noGrp="1"/>
-          </p:cNvSpPr>
-          <p:nvPr>
-            <p:ph type="body"/>
-          </p:nvPr>
-        </p:nvSpPr>
-        <p:spPr>
-          <a:xfrm>
-            <a:off x="457200" y="1203480"/>
-            <a:ext cx="4015800" cy="1422720"/>
-          </a:xfrm>
-          <a:prstGeom prst="rect">
-            <a:avLst/>
-          </a:prstGeom>
-        </p:spPr>
-        <p:txBody>
-          <a:bodyPr lIns="0" rIns="0" tIns="0" bIns="0">
-            <a:normAutofit/>
-          </a:bodyPr>
-          <a:p>
-            <a:endParaRPr b="0" lang="de-DE" sz="3200" spc="-1" strike="noStrike">
-              <a:latin typeface="Arial"/>
-            </a:endParaRPr>
-          </a:p>
-        </p:txBody>
-      </p:sp>
-      <p:sp>
-        <p:nvSpPr>
-          <p:cNvPr id="72" name="PlaceHolder 3"/>
-          <p:cNvSpPr>
-            <a:spLocks noGrp="1"/>
-          </p:cNvSpPr>
-          <p:nvPr>
-            <p:ph type="body"/>
-          </p:nvPr>
-        </p:nvSpPr>
-        <p:spPr>
-          <a:xfrm>
-            <a:off x="4674240" y="1203480"/>
-            <a:ext cx="4015800" cy="1422720"/>
-          </a:xfrm>
-          <a:prstGeom prst="rect">
-            <a:avLst/>
-          </a:prstGeom>
-        </p:spPr>
-        <p:txBody>
-          <a:bodyPr lIns="0" rIns="0" tIns="0" bIns="0">
-            <a:normAutofit/>
-          </a:bodyPr>
-          <a:p>
-            <a:endParaRPr b="0" lang="de-DE" sz="3200" spc="-1" strike="noStrike">
-              <a:latin typeface="Arial"/>
-            </a:endParaRPr>
-          </a:p>
-        </p:txBody>
-      </p:sp>
-      <p:sp>
-        <p:nvSpPr>
-          <p:cNvPr id="73" name="PlaceHolder 4"/>
-          <p:cNvSpPr>
-            <a:spLocks noGrp="1"/>
-          </p:cNvSpPr>
-          <p:nvPr>
-            <p:ph type="body"/>
-          </p:nvPr>
-        </p:nvSpPr>
-        <p:spPr>
-          <a:xfrm>
-            <a:off x="457200" y="2761920"/>
-            <a:ext cx="4015800" cy="1422720"/>
-          </a:xfrm>
-          <a:prstGeom prst="rect">
-            <a:avLst/>
-          </a:prstGeom>
-        </p:spPr>
-        <p:txBody>
-          <a:bodyPr lIns="0" rIns="0" tIns="0" bIns="0">
-            <a:normAutofit/>
-          </a:bodyPr>
-          <a:p>
-            <a:endParaRPr b="0" lang="de-DE" sz="3200" spc="-1" strike="noStrike">
-              <a:latin typeface="Arial"/>
-            </a:endParaRPr>
-          </a:p>
-        </p:txBody>
-      </p:sp>
-      <p:sp>
-        <p:nvSpPr>
-          <p:cNvPr id="74" name="PlaceHolder 5"/>
-          <p:cNvSpPr>
-            <a:spLocks noGrp="1"/>
-          </p:cNvSpPr>
-          <p:nvPr>
-            <p:ph type="body"/>
-          </p:nvPr>
-        </p:nvSpPr>
-        <p:spPr>
-          <a:xfrm>
-            <a:off x="4674240" y="2761920"/>
-            <a:ext cx="4015800" cy="1422720"/>
-          </a:xfrm>
-          <a:prstGeom prst="rect">
-            <a:avLst/>
-          </a:prstGeom>
-        </p:spPr>
-        <p:txBody>
-          <a:bodyPr lIns="0" rIns="0" tIns="0" bIns="0">
-            <a:normAutofit/>
-          </a:bodyPr>
-          <a:p>
-            <a:endParaRPr b="0" lang="de-DE" sz="3200" spc="-1" strike="noStrike">
-              <a:latin typeface="Arial"/>
-            </a:endParaRPr>
-          </a:p>
-        </p:txBody>
-      </p:sp>
-    </p:spTree>
-  </p:cSld>
-</p:sldLayout>
-</file>
-
-<file path=ppt/slideLayouts/slideLayout24.xml><?xml version="1.0" encoding="utf-8"?>
-<p:sldLayout xmlns:a="http://schemas.openxmlformats.org/drawingml/2006/main" xmlns:p="http://schemas.openxmlformats.org/presentationml/2006/main" xmlns:r="http://schemas.openxmlformats.org/officeDocument/2006/relationships" xmlns:p14="http://schemas.microsoft.com/office/powerpoint/2010/main" xmlns:p15="http://schemas.microsoft.com/office/powerpoint/2012/main" xmlns:mc="http://schemas.openxmlformats.org/markup-compatibility/2006" type="blank" preserve="1">
-  <p:cSld name="Title, 6 Content">
-    <p:spTree>
-      <p:nvGrpSpPr>
-        <p:cNvPr id="1" name=""/>
-        <p:cNvGrpSpPr/>
-        <p:nvPr/>
-      </p:nvGrpSpPr>
-      <p:grpSpPr>
-        <a:xfrm>
-          <a:off x="0" y="0"/>
-          <a:ext cx="0" cy="0"/>
-          <a:chOff x="0" y="0"/>
-          <a:chExt cx="0" cy="0"/>
-        </a:xfrm>
-      </p:grpSpPr>
-      <p:sp>
-        <p:nvSpPr>
-          <p:cNvPr id="75" name="PlaceHolder 1"/>
-          <p:cNvSpPr>
-            <a:spLocks noGrp="1"/>
-          </p:cNvSpPr>
-          <p:nvPr>
-            <p:ph type="title"/>
-          </p:nvPr>
-        </p:nvSpPr>
-        <p:spPr>
-          <a:xfrm>
-            <a:off x="457200" y="205200"/>
-            <a:ext cx="8229240" cy="858600"/>
-          </a:xfrm>
-          <a:prstGeom prst="rect">
-            <a:avLst/>
-          </a:prstGeom>
-        </p:spPr>
-        <p:txBody>
-          <a:bodyPr lIns="0" rIns="0" tIns="0" bIns="0" anchor="ctr">
-            <a:noAutofit/>
-          </a:bodyPr>
-          <a:p>
-            <a:pPr algn="ctr"/>
-            <a:endParaRPr b="0" lang="de-DE" sz="4400" spc="-1" strike="noStrike">
-              <a:latin typeface="Arial"/>
-            </a:endParaRPr>
-          </a:p>
-        </p:txBody>
-      </p:sp>
-      <p:sp>
-        <p:nvSpPr>
-          <p:cNvPr id="76" name="PlaceHolder 2"/>
-          <p:cNvSpPr>
-            <a:spLocks noGrp="1"/>
-          </p:cNvSpPr>
-          <p:nvPr>
-            <p:ph type="body"/>
-          </p:nvPr>
-        </p:nvSpPr>
-        <p:spPr>
-          <a:xfrm>
-            <a:off x="457200" y="1203480"/>
-            <a:ext cx="2649600" cy="1422720"/>
-          </a:xfrm>
-          <a:prstGeom prst="rect">
-            <a:avLst/>
-          </a:prstGeom>
-        </p:spPr>
-        <p:txBody>
-          <a:bodyPr lIns="0" rIns="0" tIns="0" bIns="0">
-            <a:normAutofit/>
-          </a:bodyPr>
-          <a:p>
-            <a:endParaRPr b="0" lang="de-DE" sz="3200" spc="-1" strike="noStrike">
-              <a:latin typeface="Arial"/>
-            </a:endParaRPr>
-          </a:p>
-        </p:txBody>
-      </p:sp>
-      <p:sp>
-        <p:nvSpPr>
-          <p:cNvPr id="77" name="PlaceHolder 3"/>
-          <p:cNvSpPr>
-            <a:spLocks noGrp="1"/>
-          </p:cNvSpPr>
-          <p:nvPr>
-            <p:ph type="body"/>
-          </p:nvPr>
-        </p:nvSpPr>
-        <p:spPr>
-          <a:xfrm>
-            <a:off x="3239640" y="1203480"/>
-            <a:ext cx="2649600" cy="1422720"/>
-          </a:xfrm>
-          <a:prstGeom prst="rect">
-            <a:avLst/>
-          </a:prstGeom>
-        </p:spPr>
-        <p:txBody>
-          <a:bodyPr lIns="0" rIns="0" tIns="0" bIns="0">
-            <a:normAutofit/>
-          </a:bodyPr>
-          <a:p>
-            <a:endParaRPr b="0" lang="de-DE" sz="3200" spc="-1" strike="noStrike">
-              <a:latin typeface="Arial"/>
-            </a:endParaRPr>
-          </a:p>
-        </p:txBody>
-      </p:sp>
-      <p:sp>
-        <p:nvSpPr>
-          <p:cNvPr id="78" name="PlaceHolder 4"/>
-          <p:cNvSpPr>
-            <a:spLocks noGrp="1"/>
-          </p:cNvSpPr>
-          <p:nvPr>
-            <p:ph type="body"/>
-          </p:nvPr>
-        </p:nvSpPr>
-        <p:spPr>
-          <a:xfrm>
-            <a:off x="6022080" y="1203480"/>
-            <a:ext cx="2649600" cy="1422720"/>
-          </a:xfrm>
-          <a:prstGeom prst="rect">
-            <a:avLst/>
-          </a:prstGeom>
-        </p:spPr>
-        <p:txBody>
-          <a:bodyPr lIns="0" rIns="0" tIns="0" bIns="0">
-            <a:normAutofit/>
-          </a:bodyPr>
-          <a:p>
-            <a:endParaRPr b="0" lang="de-DE" sz="3200" spc="-1" strike="noStrike">
-              <a:latin typeface="Arial"/>
-            </a:endParaRPr>
-          </a:p>
-        </p:txBody>
-      </p:sp>
-      <p:sp>
-        <p:nvSpPr>
-          <p:cNvPr id="79" name="PlaceHolder 5"/>
-          <p:cNvSpPr>
-            <a:spLocks noGrp="1"/>
-          </p:cNvSpPr>
-          <p:nvPr>
-            <p:ph type="body"/>
-          </p:nvPr>
-        </p:nvSpPr>
-        <p:spPr>
-          <a:xfrm>
-            <a:off x="457200" y="2761920"/>
-            <a:ext cx="2649600" cy="1422720"/>
-          </a:xfrm>
-          <a:prstGeom prst="rect">
-            <a:avLst/>
-          </a:prstGeom>
-        </p:spPr>
-        <p:txBody>
-          <a:bodyPr lIns="0" rIns="0" tIns="0" bIns="0">
-            <a:normAutofit/>
-          </a:bodyPr>
-          <a:p>
-            <a:endParaRPr b="0" lang="de-DE" sz="3200" spc="-1" strike="noStrike">
-              <a:latin typeface="Arial"/>
-            </a:endParaRPr>
-          </a:p>
-        </p:txBody>
-      </p:sp>
-      <p:sp>
-        <p:nvSpPr>
-          <p:cNvPr id="80" name="PlaceHolder 6"/>
-          <p:cNvSpPr>
-            <a:spLocks noGrp="1"/>
-          </p:cNvSpPr>
-          <p:nvPr>
-            <p:ph type="body"/>
-          </p:nvPr>
-        </p:nvSpPr>
-        <p:spPr>
-          <a:xfrm>
-            <a:off x="3239640" y="2761920"/>
-            <a:ext cx="2649600" cy="1422720"/>
-          </a:xfrm>
-          <a:prstGeom prst="rect">
-            <a:avLst/>
-          </a:prstGeom>
-        </p:spPr>
-        <p:txBody>
-          <a:bodyPr lIns="0" rIns="0" tIns="0" bIns="0">
-            <a:normAutofit/>
-          </a:bodyPr>
-          <a:p>
-            <a:endParaRPr b="0" lang="de-DE" sz="3200" spc="-1" strike="noStrike">
-              <a:latin typeface="Arial"/>
-            </a:endParaRPr>
-          </a:p>
-        </p:txBody>
-      </p:sp>
-      <p:sp>
-        <p:nvSpPr>
-          <p:cNvPr id="81" name="PlaceHolder 7"/>
-          <p:cNvSpPr>
-            <a:spLocks noGrp="1"/>
-          </p:cNvSpPr>
-          <p:nvPr>
-            <p:ph type="body"/>
-          </p:nvPr>
-        </p:nvSpPr>
-        <p:spPr>
-          <a:xfrm>
-            <a:off x="6022080" y="2761920"/>
-            <a:ext cx="2649600" cy="1422720"/>
-          </a:xfrm>
-          <a:prstGeom prst="rect">
-            <a:avLst/>
-          </a:prstGeom>
-        </p:spPr>
-        <p:txBody>
-          <a:bodyPr lIns="0" rIns="0" tIns="0" bIns="0">
-            <a:normAutofit/>
-          </a:bodyPr>
-          <a:p>
             <a:endParaRPr b="0" lang="de-DE" sz="3200" spc="-1" strike="noStrike">
               <a:latin typeface="Arial"/>
             </a:endParaRPr>
@@ -2015,7 +658,7 @@
       </p:grpSpPr>
       <p:sp>
         <p:nvSpPr>
-          <p:cNvPr id="8" name="PlaceHolder 1"/>
+          <p:cNvPr id="6" name="PlaceHolder 1"/>
           <p:cNvSpPr>
             <a:spLocks noGrp="1"/>
           </p:cNvSpPr>
@@ -2046,7 +689,7 @@
       </p:sp>
       <p:sp>
         <p:nvSpPr>
-          <p:cNvPr id="9" name="PlaceHolder 2"/>
+          <p:cNvPr id="7" name="PlaceHolder 2"/>
           <p:cNvSpPr>
             <a:spLocks noGrp="1"/>
           </p:cNvSpPr>
@@ -2098,7 +741,7 @@
       </p:grpSpPr>
       <p:sp>
         <p:nvSpPr>
-          <p:cNvPr id="10" name="PlaceHolder 1"/>
+          <p:cNvPr id="8" name="PlaceHolder 1"/>
           <p:cNvSpPr>
             <a:spLocks noGrp="1"/>
           </p:cNvSpPr>
@@ -2129,7 +772,7 @@
       </p:sp>
       <p:sp>
         <p:nvSpPr>
-          <p:cNvPr id="11" name="PlaceHolder 2"/>
+          <p:cNvPr id="9" name="PlaceHolder 2"/>
           <p:cNvSpPr>
             <a:spLocks noGrp="1"/>
           </p:cNvSpPr>
@@ -2159,7 +802,7 @@
       </p:sp>
       <p:sp>
         <p:nvSpPr>
-          <p:cNvPr id="12" name="PlaceHolder 3"/>
+          <p:cNvPr id="10" name="PlaceHolder 3"/>
           <p:cNvSpPr>
             <a:spLocks noGrp="1"/>
           </p:cNvSpPr>
@@ -2211,7 +854,7 @@
       </p:grpSpPr>
       <p:sp>
         <p:nvSpPr>
-          <p:cNvPr id="13" name="PlaceHolder 1"/>
+          <p:cNvPr id="11" name="PlaceHolder 1"/>
           <p:cNvSpPr>
             <a:spLocks noGrp="1"/>
           </p:cNvSpPr>
@@ -2264,7 +907,7 @@
       </p:grpSpPr>
       <p:sp>
         <p:nvSpPr>
-          <p:cNvPr id="14" name="PlaceHolder 1"/>
+          <p:cNvPr id="12" name="PlaceHolder 1"/>
           <p:cNvSpPr>
             <a:spLocks noGrp="1"/>
           </p:cNvSpPr>
@@ -2317,7 +960,7 @@
       </p:grpSpPr>
       <p:sp>
         <p:nvSpPr>
-          <p:cNvPr id="15" name="PlaceHolder 1"/>
+          <p:cNvPr id="13" name="PlaceHolder 1"/>
           <p:cNvSpPr>
             <a:spLocks noGrp="1"/>
           </p:cNvSpPr>
@@ -2348,7 +991,7 @@
       </p:sp>
       <p:sp>
         <p:nvSpPr>
-          <p:cNvPr id="16" name="PlaceHolder 2"/>
+          <p:cNvPr id="14" name="PlaceHolder 2"/>
           <p:cNvSpPr>
             <a:spLocks noGrp="1"/>
           </p:cNvSpPr>
@@ -2378,7 +1021,7 @@
       </p:sp>
       <p:sp>
         <p:nvSpPr>
-          <p:cNvPr id="17" name="PlaceHolder 3"/>
+          <p:cNvPr id="15" name="PlaceHolder 3"/>
           <p:cNvSpPr>
             <a:spLocks noGrp="1"/>
           </p:cNvSpPr>
@@ -2408,7 +1051,7 @@
       </p:sp>
       <p:sp>
         <p:nvSpPr>
-          <p:cNvPr id="18" name="PlaceHolder 4"/>
+          <p:cNvPr id="16" name="PlaceHolder 4"/>
           <p:cNvSpPr>
             <a:spLocks noGrp="1"/>
           </p:cNvSpPr>
@@ -2460,7 +1103,7 @@
       </p:grpSpPr>
       <p:sp>
         <p:nvSpPr>
-          <p:cNvPr id="19" name="PlaceHolder 1"/>
+          <p:cNvPr id="17" name="PlaceHolder 1"/>
           <p:cNvSpPr>
             <a:spLocks noGrp="1"/>
           </p:cNvSpPr>
@@ -2491,7 +1134,7 @@
       </p:sp>
       <p:sp>
         <p:nvSpPr>
-          <p:cNvPr id="20" name="PlaceHolder 2"/>
+          <p:cNvPr id="18" name="PlaceHolder 2"/>
           <p:cNvSpPr>
             <a:spLocks noGrp="1"/>
           </p:cNvSpPr>
@@ -2521,7 +1164,7 @@
       </p:sp>
       <p:sp>
         <p:nvSpPr>
-          <p:cNvPr id="21" name="PlaceHolder 3"/>
+          <p:cNvPr id="19" name="PlaceHolder 3"/>
           <p:cNvSpPr>
             <a:spLocks noGrp="1"/>
           </p:cNvSpPr>
@@ -2551,7 +1194,7 @@
       </p:sp>
       <p:sp>
         <p:nvSpPr>
-          <p:cNvPr id="22" name="PlaceHolder 4"/>
+          <p:cNvPr id="20" name="PlaceHolder 4"/>
           <p:cNvSpPr>
             <a:spLocks noGrp="1"/>
           </p:cNvSpPr>
@@ -2603,7 +1246,7 @@
       </p:grpSpPr>
       <p:sp>
         <p:nvSpPr>
-          <p:cNvPr id="23" name="PlaceHolder 1"/>
+          <p:cNvPr id="21" name="PlaceHolder 1"/>
           <p:cNvSpPr>
             <a:spLocks noGrp="1"/>
           </p:cNvSpPr>
@@ -2634,7 +1277,7 @@
       </p:sp>
       <p:sp>
         <p:nvSpPr>
-          <p:cNvPr id="24" name="PlaceHolder 2"/>
+          <p:cNvPr id="22" name="PlaceHolder 2"/>
           <p:cNvSpPr>
             <a:spLocks noGrp="1"/>
           </p:cNvSpPr>
@@ -2664,7 +1307,7 @@
       </p:sp>
       <p:sp>
         <p:nvSpPr>
-          <p:cNvPr id="25" name="PlaceHolder 3"/>
+          <p:cNvPr id="23" name="PlaceHolder 3"/>
           <p:cNvSpPr>
             <a:spLocks noGrp="1"/>
           </p:cNvSpPr>
@@ -2694,7 +1337,7 @@
       </p:sp>
       <p:sp>
         <p:nvSpPr>
-          <p:cNvPr id="26" name="PlaceHolder 4"/>
+          <p:cNvPr id="24" name="PlaceHolder 4"/>
           <p:cNvSpPr>
             <a:spLocks noGrp="1"/>
           </p:cNvSpPr>
@@ -2753,14 +1396,14 @@
       </p:grpSpPr>
       <p:sp>
         <p:nvSpPr>
-          <p:cNvPr id="0" name="CustomShape 1" hidden="1"/>
+          <p:cNvPr id="0" name="CustomShape 1"/>
           <p:cNvSpPr/>
           <p:nvPr/>
         </p:nvSpPr>
         <p:spPr>
           <a:xfrm>
             <a:off x="0" y="4824360"/>
-            <a:ext cx="9140760" cy="315720"/>
+            <a:ext cx="9140400" cy="315360"/>
           </a:xfrm>
           <a:prstGeom prst="rect">
             <a:avLst/>
@@ -2786,17 +1429,42 @@
           </a:effectRef>
           <a:fontRef idx="minor"/>
         </p:style>
-      </p:sp>
-      <p:sp>
-        <p:nvSpPr>
-          <p:cNvPr id="1" name="CustomShape 2" hidden="1"/>
+        <p:txBody>
+          <a:bodyPr lIns="90000" rIns="90000" tIns="45000" bIns="45000">
+            <a:noAutofit/>
+          </a:bodyPr>
+          <a:p>
+            <a:pPr>
+              <a:lnSpc>
+                <a:spcPct val="100000"/>
+              </a:lnSpc>
+            </a:pPr>
+            <a:r>
+              <a:rPr b="1" lang="de-DE" sz="1300" spc="-1" strike="noStrike">
+                <a:solidFill>
+                  <a:srgbClr val="003259"/>
+                </a:solidFill>
+                <a:latin typeface="Arial"/>
+                <a:ea typeface="DejaVu Sans"/>
+              </a:rPr>
+              <a:t>Die Kommanditgesellschaft</a:t>
+            </a:r>
+            <a:endParaRPr b="0" lang="de-DE" sz="1300" spc="-1" strike="noStrike">
+              <a:latin typeface="Arial"/>
+            </a:endParaRPr>
+          </a:p>
+        </p:txBody>
+      </p:sp>
+      <p:sp>
+        <p:nvSpPr>
+          <p:cNvPr id="1" name="CustomShape 2"/>
           <p:cNvSpPr/>
           <p:nvPr/>
         </p:nvSpPr>
         <p:spPr>
           <a:xfrm>
             <a:off x="8714160" y="4897080"/>
-            <a:ext cx="188640" cy="188640"/>
+            <a:ext cx="188280" cy="188280"/>
           </a:xfrm>
           <a:prstGeom prst="ellipse">
             <a:avLst/>
@@ -2832,7 +1500,7 @@
                 <a:spcPct val="100000"/>
               </a:lnSpc>
             </a:pPr>
-            <a:fld id="{D26003A3-34C5-41FD-9C8F-A24214E079C8}" type="slidenum">
+            <a:fld id="{1AFF6118-351B-4A00-B836-9FB8D7A1025F}" type="slidenum">
               <a:rPr b="0" lang="de-DE" sz="680" spc="-1" strike="noStrike">
                 <a:solidFill>
                   <a:srgbClr val="02d35f"/>
@@ -2848,55 +1516,9 @@
           </a:p>
         </p:txBody>
       </p:sp>
-      <p:pic>
-        <p:nvPicPr>
-          <p:cNvPr id="2" name="Picture 1472" descr=""/>
-          <p:cNvPicPr/>
-          <p:nvPr/>
-        </p:nvPicPr>
-        <p:blipFill>
-          <a:blip r:embed="rId2"/>
-          <a:stretch/>
-        </p:blipFill>
-        <p:spPr>
-          <a:xfrm>
-            <a:off x="0" y="0"/>
-            <a:ext cx="9140760" cy="5140080"/>
-          </a:xfrm>
-          <a:prstGeom prst="rect">
-            <a:avLst/>
-          </a:prstGeom>
-          <a:ln>
-            <a:noFill/>
-          </a:ln>
-        </p:spPr>
-      </p:pic>
-      <p:pic>
-        <p:nvPicPr>
-          <p:cNvPr id="3" name="Picture 6" descr=""/>
-          <p:cNvPicPr/>
-          <p:nvPr/>
-        </p:nvPicPr>
-        <p:blipFill>
-          <a:blip r:embed="rId3"/>
-          <a:stretch/>
-        </p:blipFill>
-        <p:spPr>
-          <a:xfrm>
-            <a:off x="7395120" y="486360"/>
-            <a:ext cx="874080" cy="529920"/>
-          </a:xfrm>
-          <a:prstGeom prst="rect">
-            <a:avLst/>
-          </a:prstGeom>
-          <a:ln>
-            <a:noFill/>
-          </a:ln>
-        </p:spPr>
-      </p:pic>
-      <p:sp>
-        <p:nvSpPr>
-          <p:cNvPr id="4" name="PlaceHolder 3"/>
+      <p:sp>
+        <p:nvSpPr>
+          <p:cNvPr id="2" name="PlaceHolder 3"/>
           <p:cNvSpPr>
             <a:spLocks noGrp="1"/>
           </p:cNvSpPr>
@@ -2933,7 +1555,7 @@
       </p:sp>
       <p:sp>
         <p:nvSpPr>
-          <p:cNvPr id="5" name="PlaceHolder 4"/>
+          <p:cNvPr id="3" name="PlaceHolder 4"/>
           <p:cNvSpPr>
             <a:spLocks noGrp="1"/>
           </p:cNvSpPr>
@@ -3114,400 +1736,18 @@
   </p:cSld>
   <p:clrMap bg1="lt1" bg2="lt2" tx1="dk1" tx2="dk2" accent1="accent1" accent2="accent2" accent3="accent3" accent4="accent4" accent5="accent5" accent6="accent6" hlink="hlink" folHlink="folHlink"/>
   <p:sldLayoutIdLst>
-    <p:sldLayoutId id="2147483649" r:id="rId4"/>
-    <p:sldLayoutId id="2147483650" r:id="rId5"/>
-    <p:sldLayoutId id="2147483651" r:id="rId6"/>
-    <p:sldLayoutId id="2147483652" r:id="rId7"/>
-    <p:sldLayoutId id="2147483653" r:id="rId8"/>
-    <p:sldLayoutId id="2147483654" r:id="rId9"/>
-    <p:sldLayoutId id="2147483655" r:id="rId10"/>
-    <p:sldLayoutId id="2147483656" r:id="rId11"/>
-    <p:sldLayoutId id="2147483657" r:id="rId12"/>
-    <p:sldLayoutId id="2147483658" r:id="rId13"/>
-    <p:sldLayoutId id="2147483659" r:id="rId14"/>
-    <p:sldLayoutId id="2147483660" r:id="rId15"/>
-  </p:sldLayoutIdLst>
-</p:sldMaster>
-</file>
-
-<file path=ppt/slideMasters/slideMaster2.xml><?xml version="1.0" encoding="utf-8"?>
-<p:sldMaster xmlns:a="http://schemas.openxmlformats.org/drawingml/2006/main" xmlns:p="http://schemas.openxmlformats.org/presentationml/2006/main" xmlns:r="http://schemas.openxmlformats.org/officeDocument/2006/relationships" xmlns:p14="http://schemas.microsoft.com/office/powerpoint/2010/main" xmlns:p15="http://schemas.microsoft.com/office/powerpoint/2012/main" xmlns:mc="http://schemas.openxmlformats.org/markup-compatibility/2006">
-  <p:cSld>
-    <p:bg>
-      <p:bgPr>
-        <a:solidFill>
-          <a:srgbClr val="ffffff"/>
-        </a:solidFill>
-      </p:bgPr>
-    </p:bg>
-    <p:spTree>
-      <p:nvGrpSpPr>
-        <p:cNvPr id="1" name=""/>
-        <p:cNvGrpSpPr/>
-        <p:nvPr/>
-      </p:nvGrpSpPr>
-      <p:grpSpPr>
-        <a:xfrm>
-          <a:off x="0" y="0"/>
-          <a:ext cx="0" cy="0"/>
-          <a:chOff x="0" y="0"/>
-          <a:chExt cx="0" cy="0"/>
-        </a:xfrm>
-      </p:grpSpPr>
-      <p:sp>
-        <p:nvSpPr>
-          <p:cNvPr id="42" name="CustomShape 1"/>
-          <p:cNvSpPr/>
-          <p:nvPr/>
-        </p:nvSpPr>
-        <p:spPr>
-          <a:xfrm>
-            <a:off x="0" y="4824360"/>
-            <a:ext cx="9140760" cy="315720"/>
-          </a:xfrm>
-          <a:prstGeom prst="rect">
-            <a:avLst/>
-          </a:prstGeom>
-          <a:solidFill>
-            <a:schemeClr val="tx2"/>
-          </a:solidFill>
-          <a:ln>
-            <a:noFill/>
-          </a:ln>
-        </p:spPr>
-        <p:style>
-          <a:lnRef idx="2">
-            <a:schemeClr val="accent1">
-              <a:shade val="50000"/>
-            </a:schemeClr>
-          </a:lnRef>
-          <a:fillRef idx="1">
-            <a:schemeClr val="accent1"/>
-          </a:fillRef>
-          <a:effectRef idx="0">
-            <a:schemeClr val="accent1"/>
-          </a:effectRef>
-          <a:fontRef idx="minor"/>
-        </p:style>
-        <p:txBody>
-          <a:bodyPr lIns="90000" rIns="90000" tIns="45000" bIns="45000">
-            <a:noAutofit/>
-          </a:bodyPr>
-          <a:p>
-            <a:pPr>
-              <a:lnSpc>
-                <a:spcPct val="100000"/>
-              </a:lnSpc>
-            </a:pPr>
-            <a:r>
-              <a:rPr b="1" lang="de-DE" sz="1300" spc="-1" strike="noStrike">
-                <a:solidFill>
-                  <a:srgbClr val="003259"/>
-                </a:solidFill>
-                <a:latin typeface="Arial"/>
-                <a:ea typeface="DejaVu Sans"/>
-              </a:rPr>
-              <a:t>Die Kommanditgesellschaft</a:t>
-            </a:r>
-            <a:endParaRPr b="0" lang="de-DE" sz="1300" spc="-1" strike="noStrike">
-              <a:latin typeface="Arial"/>
-            </a:endParaRPr>
-          </a:p>
-        </p:txBody>
-      </p:sp>
-      <p:sp>
-        <p:nvSpPr>
-          <p:cNvPr id="43" name="CustomShape 2"/>
-          <p:cNvSpPr/>
-          <p:nvPr/>
-        </p:nvSpPr>
-        <p:spPr>
-          <a:xfrm>
-            <a:off x="8714160" y="4897080"/>
-            <a:ext cx="188640" cy="188640"/>
-          </a:xfrm>
-          <a:prstGeom prst="ellipse">
-            <a:avLst/>
-          </a:prstGeom>
-          <a:solidFill>
-            <a:schemeClr val="bg1"/>
-          </a:solidFill>
-          <a:ln>
-            <a:noFill/>
-          </a:ln>
-        </p:spPr>
-        <p:style>
-          <a:lnRef idx="2">
-            <a:schemeClr val="accent1">
-              <a:shade val="50000"/>
-            </a:schemeClr>
-          </a:lnRef>
-          <a:fillRef idx="1">
-            <a:schemeClr val="accent1"/>
-          </a:fillRef>
-          <a:effectRef idx="0">
-            <a:schemeClr val="accent1"/>
-          </a:effectRef>
-          <a:fontRef idx="minor"/>
-        </p:style>
-        <p:txBody>
-          <a:bodyPr wrap="none" lIns="0" rIns="0" tIns="0" bIns="0" anchor="ctr">
-            <a:noAutofit/>
-          </a:bodyPr>
-          <a:p>
-            <a:pPr algn="ctr">
-              <a:lnSpc>
-                <a:spcPct val="100000"/>
-              </a:lnSpc>
-            </a:pPr>
-            <a:fld id="{CA00A763-679B-4D94-B318-52A934CBE813}" type="slidenum">
-              <a:rPr b="0" lang="de-DE" sz="680" spc="-1" strike="noStrike">
-                <a:solidFill>
-                  <a:srgbClr val="02d35f"/>
-                </a:solidFill>
-                <a:latin typeface="Arial"/>
-                <a:ea typeface="DejaVu Sans"/>
-              </a:rPr>
-              <a:t>&lt;Foliennummer&gt;</a:t>
-            </a:fld>
-            <a:endParaRPr b="0" lang="de-DE" sz="680" spc="-1" strike="noStrike">
-              <a:latin typeface="Arial"/>
-            </a:endParaRPr>
-          </a:p>
-        </p:txBody>
-      </p:sp>
-      <p:sp>
-        <p:nvSpPr>
-          <p:cNvPr id="44" name="PlaceHolder 3"/>
-          <p:cNvSpPr>
-            <a:spLocks noGrp="1"/>
-          </p:cNvSpPr>
-          <p:nvPr>
-            <p:ph type="title"/>
-          </p:nvPr>
-        </p:nvSpPr>
-        <p:spPr>
-          <a:xfrm>
-            <a:off x="457200" y="205200"/>
-            <a:ext cx="8229240" cy="858600"/>
-          </a:xfrm>
-          <a:prstGeom prst="rect">
-            <a:avLst/>
-          </a:prstGeom>
-        </p:spPr>
-        <p:txBody>
-          <a:bodyPr lIns="0" rIns="0" tIns="0" bIns="0" anchor="ctr">
-            <a:noAutofit/>
-          </a:bodyPr>
-          <a:p>
-            <a:pPr algn="ctr"/>
-            <a:r>
-              <a:rPr b="0" lang="de-DE" sz="4400" spc="-1" strike="noStrike">
-                <a:latin typeface="Arial"/>
-              </a:rPr>
-              <a:t>Format des Titeltextes durch Klicken bearbeiten</a:t>
-            </a:r>
-            <a:endParaRPr b="0" lang="de-DE" sz="4400" spc="-1" strike="noStrike">
-              <a:latin typeface="Arial"/>
-            </a:endParaRPr>
-          </a:p>
-        </p:txBody>
-      </p:sp>
-      <p:sp>
-        <p:nvSpPr>
-          <p:cNvPr id="45" name="PlaceHolder 4"/>
-          <p:cNvSpPr>
-            <a:spLocks noGrp="1"/>
-          </p:cNvSpPr>
-          <p:nvPr>
-            <p:ph type="body"/>
-          </p:nvPr>
-        </p:nvSpPr>
-        <p:spPr>
-          <a:xfrm>
-            <a:off x="457200" y="1203480"/>
-            <a:ext cx="8229240" cy="2982960"/>
-          </a:xfrm>
-          <a:prstGeom prst="rect">
-            <a:avLst/>
-          </a:prstGeom>
-        </p:spPr>
-        <p:txBody>
-          <a:bodyPr lIns="0" rIns="0" tIns="0" bIns="0">
-            <a:normAutofit fontScale="88000"/>
-          </a:bodyPr>
-          <a:p>
-            <a:pPr marL="432000" indent="-324000">
-              <a:spcBef>
-                <a:spcPts val="1417"/>
-              </a:spcBef>
-              <a:buClr>
-                <a:srgbClr val="000000"/>
-              </a:buClr>
-              <a:buSzPct val="45000"/>
-              <a:buFont typeface="Wingdings" charset="2"/>
-              <a:buChar char=""/>
-            </a:pPr>
-            <a:r>
-              <a:rPr b="0" lang="de-DE" sz="3200" spc="-1" strike="noStrike">
-                <a:latin typeface="Arial"/>
-              </a:rPr>
-              <a:t>Format des Gliederungstextes durch Klicken bearbeiten</a:t>
-            </a:r>
-            <a:endParaRPr b="0" lang="de-DE" sz="3200" spc="-1" strike="noStrike">
-              <a:latin typeface="Arial"/>
-            </a:endParaRPr>
-          </a:p>
-          <a:p>
-            <a:pPr lvl="1" marL="864000" indent="-324000">
-              <a:spcBef>
-                <a:spcPts val="1134"/>
-              </a:spcBef>
-              <a:buClr>
-                <a:srgbClr val="000000"/>
-              </a:buClr>
-              <a:buSzPct val="75000"/>
-              <a:buFont typeface="Symbol" charset="2"/>
-              <a:buChar char=""/>
-            </a:pPr>
-            <a:r>
-              <a:rPr b="0" lang="de-DE" sz="2800" spc="-1" strike="noStrike">
-                <a:latin typeface="Arial"/>
-              </a:rPr>
-              <a:t>Zweite Gliederungsebene</a:t>
-            </a:r>
-            <a:endParaRPr b="0" lang="de-DE" sz="2800" spc="-1" strike="noStrike">
-              <a:latin typeface="Arial"/>
-            </a:endParaRPr>
-          </a:p>
-          <a:p>
-            <a:pPr lvl="2" marL="1296000" indent="-288000">
-              <a:spcBef>
-                <a:spcPts val="850"/>
-              </a:spcBef>
-              <a:buClr>
-                <a:srgbClr val="000000"/>
-              </a:buClr>
-              <a:buSzPct val="45000"/>
-              <a:buFont typeface="Wingdings" charset="2"/>
-              <a:buChar char=""/>
-            </a:pPr>
-            <a:r>
-              <a:rPr b="0" lang="de-DE" sz="2400" spc="-1" strike="noStrike">
-                <a:latin typeface="Arial"/>
-              </a:rPr>
-              <a:t>Dritte Gliederungsebene</a:t>
-            </a:r>
-            <a:endParaRPr b="0" lang="de-DE" sz="2400" spc="-1" strike="noStrike">
-              <a:latin typeface="Arial"/>
-            </a:endParaRPr>
-          </a:p>
-          <a:p>
-            <a:pPr lvl="3" marL="1728000" indent="-216000">
-              <a:spcBef>
-                <a:spcPts val="567"/>
-              </a:spcBef>
-              <a:buClr>
-                <a:srgbClr val="000000"/>
-              </a:buClr>
-              <a:buSzPct val="75000"/>
-              <a:buFont typeface="Symbol" charset="2"/>
-              <a:buChar char=""/>
-            </a:pPr>
-            <a:r>
-              <a:rPr b="0" lang="de-DE" sz="2000" spc="-1" strike="noStrike">
-                <a:latin typeface="Arial"/>
-              </a:rPr>
-              <a:t>Vierte Gliederungsebene</a:t>
-            </a:r>
-            <a:endParaRPr b="0" lang="de-DE" sz="2000" spc="-1" strike="noStrike">
-              <a:latin typeface="Arial"/>
-            </a:endParaRPr>
-          </a:p>
-          <a:p>
-            <a:pPr lvl="4" marL="2160000" indent="-216000">
-              <a:spcBef>
-                <a:spcPts val="283"/>
-              </a:spcBef>
-              <a:buClr>
-                <a:srgbClr val="000000"/>
-              </a:buClr>
-              <a:buSzPct val="45000"/>
-              <a:buFont typeface="Wingdings" charset="2"/>
-              <a:buChar char=""/>
-            </a:pPr>
-            <a:r>
-              <a:rPr b="0" lang="de-DE" sz="2000" spc="-1" strike="noStrike">
-                <a:latin typeface="Arial"/>
-              </a:rPr>
-              <a:t>Fünfte Gliederungsebene</a:t>
-            </a:r>
-            <a:endParaRPr b="0" lang="de-DE" sz="2000" spc="-1" strike="noStrike">
-              <a:latin typeface="Arial"/>
-            </a:endParaRPr>
-          </a:p>
-          <a:p>
-            <a:pPr lvl="5" marL="2592000" indent="-216000">
-              <a:spcBef>
-                <a:spcPts val="283"/>
-              </a:spcBef>
-              <a:buClr>
-                <a:srgbClr val="000000"/>
-              </a:buClr>
-              <a:buSzPct val="45000"/>
-              <a:buFont typeface="Wingdings" charset="2"/>
-              <a:buChar char=""/>
-            </a:pPr>
-            <a:r>
-              <a:rPr b="0" lang="de-DE" sz="2000" spc="-1" strike="noStrike">
-                <a:latin typeface="Arial"/>
-              </a:rPr>
-              <a:t>Sechste Gliederungsebene</a:t>
-            </a:r>
-            <a:endParaRPr b="0" lang="de-DE" sz="2000" spc="-1" strike="noStrike">
-              <a:latin typeface="Arial"/>
-            </a:endParaRPr>
-          </a:p>
-          <a:p>
-            <a:pPr lvl="6" marL="3024000" indent="-216000">
-              <a:spcBef>
-                <a:spcPts val="283"/>
-              </a:spcBef>
-              <a:buClr>
-                <a:srgbClr val="000000"/>
-              </a:buClr>
-              <a:buSzPct val="45000"/>
-              <a:buFont typeface="Wingdings" charset="2"/>
-              <a:buChar char=""/>
-            </a:pPr>
-            <a:r>
-              <a:rPr b="0" lang="de-DE" sz="2000" spc="-1" strike="noStrike">
-                <a:latin typeface="Arial"/>
-              </a:rPr>
-              <a:t>Siebte Gliederungsebene</a:t>
-            </a:r>
-            <a:endParaRPr b="0" lang="de-DE" sz="2000" spc="-1" strike="noStrike">
-              <a:latin typeface="Arial"/>
-            </a:endParaRPr>
-          </a:p>
-        </p:txBody>
-      </p:sp>
-    </p:spTree>
-  </p:cSld>
-  <p:clrMap bg1="lt1" bg2="lt2" tx1="dk1" tx2="dk2" accent1="accent1" accent2="accent2" accent3="accent3" accent4="accent4" accent5="accent5" accent6="accent6" hlink="hlink" folHlink="folHlink"/>
-  <p:sldLayoutIdLst>
-    <p:sldLayoutId id="2147483662" r:id="rId2"/>
-    <p:sldLayoutId id="2147483663" r:id="rId3"/>
-    <p:sldLayoutId id="2147483664" r:id="rId4"/>
-    <p:sldLayoutId id="2147483665" r:id="rId5"/>
-    <p:sldLayoutId id="2147483666" r:id="rId6"/>
-    <p:sldLayoutId id="2147483667" r:id="rId7"/>
-    <p:sldLayoutId id="2147483668" r:id="rId8"/>
-    <p:sldLayoutId id="2147483669" r:id="rId9"/>
-    <p:sldLayoutId id="2147483670" r:id="rId10"/>
-    <p:sldLayoutId id="2147483671" r:id="rId11"/>
-    <p:sldLayoutId id="2147483672" r:id="rId12"/>
-    <p:sldLayoutId id="2147483673" r:id="rId13"/>
+    <p:sldLayoutId id="2147483649" r:id="rId2"/>
+    <p:sldLayoutId id="2147483650" r:id="rId3"/>
+    <p:sldLayoutId id="2147483651" r:id="rId4"/>
+    <p:sldLayoutId id="2147483652" r:id="rId5"/>
+    <p:sldLayoutId id="2147483653" r:id="rId6"/>
+    <p:sldLayoutId id="2147483654" r:id="rId7"/>
+    <p:sldLayoutId id="2147483655" r:id="rId8"/>
+    <p:sldLayoutId id="2147483656" r:id="rId9"/>
+    <p:sldLayoutId id="2147483657" r:id="rId10"/>
+    <p:sldLayoutId id="2147483658" r:id="rId11"/>
+    <p:sldLayoutId id="2147483659" r:id="rId12"/>
+    <p:sldLayoutId id="2147483660" r:id="rId13"/>
   </p:sldLayoutIdLst>
 </p:sldMaster>
 </file>
@@ -3531,14 +1771,14 @@
       </p:grpSpPr>
       <p:sp>
         <p:nvSpPr>
-          <p:cNvPr id="82" name="CustomShape 1"/>
+          <p:cNvPr id="40" name="CustomShape 1"/>
           <p:cNvSpPr/>
           <p:nvPr/>
         </p:nvSpPr>
         <p:spPr>
           <a:xfrm>
             <a:off x="874800" y="343080"/>
-            <a:ext cx="7962840" cy="582480"/>
+            <a:ext cx="7962480" cy="582120"/>
           </a:xfrm>
           <a:prstGeom prst="rect">
             <a:avLst/>
@@ -3557,14 +1797,14 @@
       </p:sp>
       <p:sp>
         <p:nvSpPr>
-          <p:cNvPr id="83" name="CustomShape 2"/>
+          <p:cNvPr id="41" name="CustomShape 2"/>
           <p:cNvSpPr/>
           <p:nvPr/>
         </p:nvSpPr>
         <p:spPr>
           <a:xfrm>
             <a:off x="874800" y="1428480"/>
-            <a:ext cx="7962840" cy="3181320"/>
+            <a:ext cx="7962480" cy="3180960"/>
           </a:xfrm>
           <a:prstGeom prst="rect">
             <a:avLst/>
@@ -3583,14 +1823,14 @@
       </p:sp>
       <p:sp>
         <p:nvSpPr>
-          <p:cNvPr id="84" name="CustomShape 3"/>
+          <p:cNvPr id="42" name="CustomShape 3"/>
           <p:cNvSpPr/>
           <p:nvPr/>
         </p:nvSpPr>
         <p:spPr>
           <a:xfrm>
             <a:off x="874800" y="343080"/>
-            <a:ext cx="7962840" cy="582480"/>
+            <a:ext cx="7962480" cy="582120"/>
           </a:xfrm>
           <a:prstGeom prst="rect">
             <a:avLst/>
@@ -3634,14 +1874,14 @@
       </p:sp>
       <p:sp>
         <p:nvSpPr>
-          <p:cNvPr id="85" name="CustomShape 4"/>
+          <p:cNvPr id="43" name="CustomShape 4"/>
           <p:cNvSpPr/>
           <p:nvPr/>
         </p:nvSpPr>
         <p:spPr>
           <a:xfrm>
             <a:off x="822960" y="1188720"/>
-            <a:ext cx="7131240" cy="3581280"/>
+            <a:ext cx="7130880" cy="3580920"/>
           </a:xfrm>
           <a:prstGeom prst="rect">
             <a:avLst/>
@@ -3675,7 +1915,7 @@
                 <a:latin typeface="Arial"/>
                 <a:ea typeface="Droid Sans Fallback"/>
               </a:rPr>
-              <a:t>Die Gründung setzt den Abschluss eines Gesellschaftsvertrages zwischen mindestens einem Komplementär (Vollhafter) und einem Kommanditisten(Teilhafter) voraus.</a:t>
+              <a:t>-Abschluss eines Gesellschaftsvertrages zwischen Komplementär und Kommandisten</a:t>
             </a:r>
             <a:endParaRPr b="0" lang="de-DE" sz="1800" spc="-1" strike="noStrike">
               <a:latin typeface="Arial"/>
@@ -3707,6 +1947,16 @@
                 <a:spcPct val="100000"/>
               </a:lnSpc>
             </a:pPr>
+            <a:r>
+              <a:rPr b="0" lang="de-DE" sz="1800" spc="-1" strike="noStrike">
+                <a:solidFill>
+                  <a:srgbClr val="000000"/>
+                </a:solidFill>
+                <a:latin typeface="Arial"/>
+                <a:ea typeface="DejaVu Sans"/>
+              </a:rPr>
+              <a:t>-Wird beim Handelsregister, Gewerbeamt Finanzamt angemeldet</a:t>
+            </a:r>
             <a:endParaRPr b="0" lang="de-DE" sz="1800" spc="-1" strike="noStrike">
               <a:latin typeface="Arial"/>
             </a:endParaRPr>
@@ -3717,6 +1967,26 @@
                 <a:spcPct val="100000"/>
               </a:lnSpc>
             </a:pPr>
+            <a:endParaRPr b="0" lang="de-DE" sz="1800" spc="-1" strike="noStrike">
+              <a:latin typeface="Arial"/>
+            </a:endParaRPr>
+          </a:p>
+          <a:p>
+            <a:pPr>
+              <a:lnSpc>
+                <a:spcPct val="100000"/>
+              </a:lnSpc>
+            </a:pPr>
+            <a:r>
+              <a:rPr b="0" lang="de-DE" sz="1800" spc="-1" strike="noStrike">
+                <a:solidFill>
+                  <a:srgbClr val="000000"/>
+                </a:solidFill>
+                <a:latin typeface="Arial"/>
+                <a:ea typeface="DejaVu Sans"/>
+              </a:rPr>
+              <a:t>-In der Regel auch bei der </a:t>
+            </a:r>
             <a:r>
               <a:rPr b="0" lang="de-DE" sz="1800" spc="-1" strike="noStrike">
                 <a:solidFill>
@@ -3725,7 +1995,27 @@
                 <a:latin typeface="Arial"/>
                 <a:ea typeface="Droid Sans Fallback"/>
               </a:rPr>
-              <a:t>Die KG ist zur Eintragung im Handelsregister, beim Gewerbeamt und dem Finanzamt anzumelden, in der Regel außerdem bei der Industrie- und Handelskammer. </a:t>
+              <a:t>Industrie- und Handelskammer</a:t>
+            </a:r>
+            <a:endParaRPr b="0" lang="de-DE" sz="1800" spc="-1" strike="noStrike">
+              <a:latin typeface="Arial"/>
+            </a:endParaRPr>
+          </a:p>
+          <a:p>
+            <a:pPr>
+              <a:lnSpc>
+                <a:spcPct val="100000"/>
+              </a:lnSpc>
+            </a:pPr>
+            <a:r>
+              <a:rPr b="0" lang="de-DE" sz="1800" spc="-1" strike="noStrike">
+                <a:solidFill>
+                  <a:srgbClr val="000000"/>
+                </a:solidFill>
+                <a:latin typeface="Arial"/>
+                <a:ea typeface="Droid Sans Fallback"/>
+              </a:rPr>
+              <a:t> </a:t>
             </a:r>
             <a:endParaRPr b="0" lang="de-DE" sz="1800" spc="-1" strike="noStrike">
               <a:latin typeface="Arial"/>
@@ -3765,14 +2055,14 @@
       </p:grpSpPr>
       <p:sp>
         <p:nvSpPr>
-          <p:cNvPr id="86" name="CustomShape 1"/>
+          <p:cNvPr id="44" name="CustomShape 1"/>
           <p:cNvSpPr/>
           <p:nvPr/>
         </p:nvSpPr>
         <p:spPr>
           <a:xfrm>
             <a:off x="874800" y="343080"/>
-            <a:ext cx="7962840" cy="582480"/>
+            <a:ext cx="7962480" cy="582120"/>
           </a:xfrm>
           <a:prstGeom prst="rect">
             <a:avLst/>
@@ -3791,14 +2081,14 @@
       </p:sp>
       <p:sp>
         <p:nvSpPr>
-          <p:cNvPr id="87" name="CustomShape 2"/>
+          <p:cNvPr id="45" name="CustomShape 2"/>
           <p:cNvSpPr/>
           <p:nvPr/>
         </p:nvSpPr>
         <p:spPr>
           <a:xfrm>
             <a:off x="874800" y="1428480"/>
-            <a:ext cx="7962840" cy="3181320"/>
+            <a:ext cx="7962480" cy="3180960"/>
           </a:xfrm>
           <a:prstGeom prst="rect">
             <a:avLst/>
@@ -3817,14 +2107,14 @@
       </p:sp>
       <p:sp>
         <p:nvSpPr>
-          <p:cNvPr id="88" name="CustomShape 3"/>
+          <p:cNvPr id="46" name="CustomShape 3"/>
           <p:cNvSpPr/>
           <p:nvPr/>
         </p:nvSpPr>
         <p:spPr>
           <a:xfrm>
             <a:off x="874800" y="343080"/>
-            <a:ext cx="7962840" cy="582480"/>
+            <a:ext cx="7962480" cy="582120"/>
           </a:xfrm>
           <a:prstGeom prst="rect">
             <a:avLst/>
@@ -3868,14 +2158,14 @@
       </p:sp>
       <p:sp>
         <p:nvSpPr>
-          <p:cNvPr id="89" name="CustomShape 4"/>
+          <p:cNvPr id="47" name="CustomShape 4"/>
           <p:cNvSpPr/>
           <p:nvPr/>
         </p:nvSpPr>
         <p:spPr>
           <a:xfrm>
             <a:off x="822960" y="1188720"/>
-            <a:ext cx="7131240" cy="3581280"/>
+            <a:ext cx="7130880" cy="3580920"/>
           </a:xfrm>
           <a:prstGeom prst="rect">
             <a:avLst/>
@@ -3909,7 +2199,7 @@
                 <a:latin typeface="Arial"/>
                 <a:ea typeface="Droid Sans Fallback"/>
               </a:rPr>
-              <a:t>Bei der KG werden nur die die Vollhafter mit Geschäfts- und Privatvermögen für die Verbindlichkeiten gegenüber Dritten herangezogen</a:t>
+              <a:t>-Nur Vollhafter mit Geschäfts- und Privatvermögen werden für die Verbindlichkeiten gegenüber Dritten herangezogen </a:t>
             </a:r>
             <a:endParaRPr b="0" lang="de-DE" sz="1800" spc="-1" strike="noStrike">
               <a:latin typeface="Arial"/>
@@ -3947,10 +2237,20 @@
                   <a:srgbClr val="000000"/>
                 </a:solidFill>
                 <a:latin typeface="Arial"/>
-                <a:ea typeface="Droid Sans Fallback"/>
+                <a:ea typeface="DejaVu Sans"/>
               </a:rPr>
-              <a:t>Besteht die KG aus mehreren Komplementären, kann jeder einzelne Vollhafter für die gesamten Verbindlichkeiten der Gesellschaft haftbar gemacht werden.</a:t>
+              <a:t>-Wenn es mehrere Komplementäre gibt haftet jeder für die gesammte Gesellschaft</a:t>
             </a:r>
+            <a:endParaRPr b="0" lang="de-DE" sz="1800" spc="-1" strike="noStrike">
+              <a:latin typeface="Arial"/>
+            </a:endParaRPr>
+          </a:p>
+          <a:p>
+            <a:pPr>
+              <a:lnSpc>
+                <a:spcPct val="100000"/>
+              </a:lnSpc>
+            </a:pPr>
             <a:endParaRPr b="0" lang="de-DE" sz="1800" spc="-1" strike="noStrike">
               <a:latin typeface="Arial"/>
             </a:endParaRPr>
@@ -4069,14 +2369,14 @@
       </p:grpSpPr>
       <p:sp>
         <p:nvSpPr>
-          <p:cNvPr id="90" name="CustomShape 1"/>
+          <p:cNvPr id="48" name="CustomShape 1"/>
           <p:cNvSpPr/>
           <p:nvPr/>
         </p:nvSpPr>
         <p:spPr>
           <a:xfrm>
             <a:off x="874800" y="343080"/>
-            <a:ext cx="7962840" cy="582480"/>
+            <a:ext cx="7962480" cy="582120"/>
           </a:xfrm>
           <a:prstGeom prst="rect">
             <a:avLst/>
@@ -4095,14 +2395,14 @@
       </p:sp>
       <p:sp>
         <p:nvSpPr>
-          <p:cNvPr id="91" name="CustomShape 2"/>
+          <p:cNvPr id="49" name="CustomShape 2"/>
           <p:cNvSpPr/>
           <p:nvPr/>
         </p:nvSpPr>
         <p:spPr>
           <a:xfrm>
             <a:off x="874800" y="1381680"/>
-            <a:ext cx="3893760" cy="3279960"/>
+            <a:ext cx="3893400" cy="3279600"/>
           </a:xfrm>
           <a:prstGeom prst="rect">
             <a:avLst/>
@@ -4121,14 +2421,14 @@
       </p:sp>
       <p:sp>
         <p:nvSpPr>
-          <p:cNvPr id="92" name="CustomShape 3"/>
+          <p:cNvPr id="50" name="CustomShape 3"/>
           <p:cNvSpPr/>
           <p:nvPr/>
         </p:nvSpPr>
         <p:spPr>
           <a:xfrm>
             <a:off x="874800" y="990360"/>
-            <a:ext cx="3893760" cy="325440"/>
+            <a:ext cx="3893400" cy="325080"/>
           </a:xfrm>
           <a:prstGeom prst="rect">
             <a:avLst/>
@@ -4147,14 +2447,14 @@
       </p:sp>
       <p:sp>
         <p:nvSpPr>
-          <p:cNvPr id="93" name="CustomShape 4"/>
+          <p:cNvPr id="51" name="CustomShape 4"/>
           <p:cNvSpPr/>
           <p:nvPr/>
         </p:nvSpPr>
         <p:spPr>
           <a:xfrm>
             <a:off x="4943520" y="1382400"/>
-            <a:ext cx="3897360" cy="3279960"/>
+            <a:ext cx="3897000" cy="3279600"/>
           </a:xfrm>
           <a:prstGeom prst="rect">
             <a:avLst/>
@@ -4173,14 +2473,14 @@
       </p:sp>
       <p:sp>
         <p:nvSpPr>
-          <p:cNvPr id="94" name="CustomShape 5"/>
+          <p:cNvPr id="52" name="CustomShape 5"/>
           <p:cNvSpPr/>
           <p:nvPr/>
         </p:nvSpPr>
         <p:spPr>
           <a:xfrm>
             <a:off x="4943520" y="990360"/>
-            <a:ext cx="3897360" cy="325440"/>
+            <a:ext cx="3897000" cy="325080"/>
           </a:xfrm>
           <a:prstGeom prst="rect">
             <a:avLst/>
@@ -4199,14 +2499,14 @@
       </p:sp>
       <p:sp>
         <p:nvSpPr>
-          <p:cNvPr id="95" name="CustomShape 6"/>
+          <p:cNvPr id="53" name="CustomShape 6"/>
           <p:cNvSpPr/>
           <p:nvPr/>
         </p:nvSpPr>
         <p:spPr>
           <a:xfrm>
             <a:off x="874800" y="343080"/>
-            <a:ext cx="7962840" cy="582480"/>
+            <a:ext cx="7962480" cy="582120"/>
           </a:xfrm>
           <a:prstGeom prst="rect">
             <a:avLst/>
@@ -4250,14 +2550,14 @@
       </p:sp>
       <p:sp>
         <p:nvSpPr>
-          <p:cNvPr id="96" name="CustomShape 7"/>
+          <p:cNvPr id="54" name="CustomShape 7"/>
           <p:cNvSpPr/>
           <p:nvPr/>
         </p:nvSpPr>
         <p:spPr>
           <a:xfrm>
             <a:off x="822960" y="1188720"/>
-            <a:ext cx="7131240" cy="1881000"/>
+            <a:ext cx="7130880" cy="1880640"/>
           </a:xfrm>
           <a:prstGeom prst="rect">
             <a:avLst/>
@@ -4646,230 +2946,4 @@
     </a:fmtScheme>
   </a:themeElements>
 </a:theme>
-</file>
-
-<file path=ppt/theme/theme2.xml><?xml version="1.0" encoding="utf-8"?>
-<a:theme xmlns:a="http://schemas.openxmlformats.org/drawingml/2006/main" name="Office Theme">
-  <a:themeElements>
-    <a:clrScheme name="Office">
-      <a:dk1>
-        <a:sysClr val="windowText" lastClr="000000"/>
-      </a:dk1>
-      <a:lt1>
-        <a:sysClr val="window" lastClr="FFFFFF"/>
-      </a:lt1>
-      <a:dk2>
-        <a:srgbClr val="02d35f"/>
-      </a:dk2>
-      <a:lt2>
-        <a:srgbClr val="d9d8d6"/>
-      </a:lt2>
-      <a:accent1>
-        <a:srgbClr val="a0ff5f"/>
-      </a:accent1>
-      <a:accent2>
-        <a:srgbClr val="02a39c"/>
-      </a:accent2>
-      <a:accent3>
-        <a:srgbClr val="1db0e4"/>
-      </a:accent3>
-      <a:accent4>
-        <a:srgbClr val="1a60a9"/>
-      </a:accent4>
-      <a:accent5>
-        <a:srgbClr val="e04786"/>
-      </a:accent5>
-      <a:accent6>
-        <a:srgbClr val="fc5547"/>
-      </a:accent6>
-      <a:hlink>
-        <a:srgbClr val="1aa39a"/>
-      </a:hlink>
-      <a:folHlink>
-        <a:srgbClr val="1dafe3"/>
-      </a:folHlink>
-    </a:clrScheme>
-    <a:fontScheme name="Office">
-      <a:majorFont>
-        <a:latin typeface="Arial"/>
-        <a:ea typeface="DejaVu Sans"/>
-        <a:cs typeface="DejaVu Sans"/>
-      </a:majorFont>
-      <a:minorFont>
-        <a:latin typeface="Arial"/>
-        <a:ea typeface="DejaVu Sans"/>
-        <a:cs typeface="DejaVu Sans"/>
-      </a:minorFont>
-    </a:fontScheme>
-    <a:fmtScheme name="Office">
-      <a:fillStyleLst>
-        <a:solidFill>
-          <a:schemeClr val="phClr"/>
-        </a:solidFill>
-        <a:gradFill rotWithShape="1">
-          <a:gsLst>
-            <a:gs pos="0">
-              <a:schemeClr val="phClr">
-                <a:tint val="50000"/>
-                <a:satMod val="300000"/>
-              </a:schemeClr>
-            </a:gs>
-            <a:gs pos="35000">
-              <a:schemeClr val="phClr">
-                <a:tint val="37000"/>
-                <a:satMod val="300000"/>
-              </a:schemeClr>
-            </a:gs>
-            <a:gs pos="100000">
-              <a:schemeClr val="phClr">
-                <a:tint val="15000"/>
-                <a:satMod val="350000"/>
-              </a:schemeClr>
-            </a:gs>
-          </a:gsLst>
-          <a:lin ang="16200000" scaled="1"/>
-        </a:gradFill>
-        <a:gradFill rotWithShape="1">
-          <a:gsLst>
-            <a:gs pos="0">
-              <a:schemeClr val="phClr">
-                <a:shade val="51000"/>
-                <a:satMod val="130000"/>
-              </a:schemeClr>
-            </a:gs>
-            <a:gs pos="80000">
-              <a:schemeClr val="phClr">
-                <a:shade val="93000"/>
-                <a:satMod val="130000"/>
-              </a:schemeClr>
-            </a:gs>
-            <a:gs pos="100000">
-              <a:schemeClr val="phClr">
-                <a:shade val="94000"/>
-                <a:satMod val="135000"/>
-              </a:schemeClr>
-            </a:gs>
-          </a:gsLst>
-          <a:lin ang="16200000" scaled="0"/>
-        </a:gradFill>
-      </a:fillStyleLst>
-      <a:lnStyleLst>
-        <a:ln w="9525" cap="flat" cmpd="sng" algn="ctr">
-          <a:solidFill>
-            <a:schemeClr val="phClr">
-              <a:shade val="95000"/>
-              <a:satMod val="105000"/>
-            </a:schemeClr>
-          </a:solidFill>
-          <a:prstDash val="solid"/>
-          <a:miter/>
-        </a:ln>
-        <a:ln w="25400" cap="flat" cmpd="sng" algn="ctr">
-          <a:solidFill>
-            <a:schemeClr val="phClr"/>
-          </a:solidFill>
-          <a:prstDash val="solid"/>
-          <a:miter/>
-        </a:ln>
-        <a:ln w="38100" cap="flat" cmpd="sng" algn="ctr">
-          <a:solidFill>
-            <a:schemeClr val="phClr"/>
-          </a:solidFill>
-          <a:prstDash val="solid"/>
-          <a:miter/>
-        </a:ln>
-      </a:lnStyleLst>
-      <a:effectStyleLst>
-        <a:effectStyle>
-          <a:effectLst>
-            <a:outerShdw blurRad="40000" dist="20000" dir="5400000" rotWithShape="0">
-              <a:srgbClr val="000000">
-                <a:alpha val="38000"/>
-              </a:srgbClr>
-            </a:outerShdw>
-          </a:effectLst>
-        </a:effectStyle>
-        <a:effectStyle>
-          <a:effectLst>
-            <a:outerShdw blurRad="40000" dist="23000" dir="5400000" rotWithShape="0">
-              <a:srgbClr val="000000">
-                <a:alpha val="35000"/>
-              </a:srgbClr>
-            </a:outerShdw>
-          </a:effectLst>
-        </a:effectStyle>
-        <a:effectStyle>
-          <a:effectLst>
-            <a:outerShdw blurRad="40000" dist="23000" dir="5400000" rotWithShape="0">
-              <a:srgbClr val="000000">
-                <a:alpha val="35000"/>
-              </a:srgbClr>
-            </a:outerShdw>
-          </a:effectLst>
-          <a:scene3d>
-            <a:camera prst="orthographicFront">
-              <a:rot lat="0" lon="0" rev="0"/>
-            </a:camera>
-            <a:lightRig rig="threePt" dir="t">
-              <a:rot lat="0" lon="0" rev="1200000"/>
-            </a:lightRig>
-          </a:scene3d>
-          <a:sp3d>
-            <a:bevelT w="63500" h="25400"/>
-          </a:sp3d>
-        </a:effectStyle>
-      </a:effectStyleLst>
-      <a:bgFillStyleLst>
-        <a:solidFill>
-          <a:schemeClr val="phClr"/>
-        </a:solidFill>
-        <a:gradFill rotWithShape="1">
-          <a:gsLst>
-            <a:gs pos="0">
-              <a:schemeClr val="phClr">
-                <a:tint val="40000"/>
-                <a:satMod val="350000"/>
-              </a:schemeClr>
-            </a:gs>
-            <a:gs pos="40000">
-              <a:schemeClr val="phClr">
-                <a:tint val="45000"/>
-                <a:shade val="99000"/>
-                <a:satMod val="350000"/>
-              </a:schemeClr>
-            </a:gs>
-            <a:gs pos="100000">
-              <a:schemeClr val="phClr">
-                <a:shade val="20000"/>
-                <a:satMod val="255000"/>
-              </a:schemeClr>
-            </a:gs>
-          </a:gsLst>
-          <a:path path="circle">
-            <a:fillToRect l="50000" t="-80000" r="50000" b="180000"/>
-          </a:path>
-        </a:gradFill>
-        <a:gradFill rotWithShape="1">
-          <a:gsLst>
-            <a:gs pos="0">
-              <a:schemeClr val="phClr">
-                <a:tint val="80000"/>
-                <a:satMod val="300000"/>
-              </a:schemeClr>
-            </a:gs>
-            <a:gs pos="100000">
-              <a:schemeClr val="phClr">
-                <a:shade val="30000"/>
-                <a:satMod val="200000"/>
-              </a:schemeClr>
-            </a:gs>
-          </a:gsLst>
-          <a:path path="circle">
-            <a:fillToRect l="50000" t="50000" r="50000" b="50000"/>
-          </a:path>
-        </a:gradFill>
-      </a:bgFillStyleLst>
-    </a:fmtScheme>
-  </a:themeElements>
-</a:theme>
 </file>